--- a/2020-09-03 Git og Github/Git.pptx
+++ b/2020-09-03 Git og Github/Git.pptx
@@ -6,15 +6,23 @@
   </p:sldMasterIdLst>
   <p:sldIdLst>
     <p:sldId id="256" r:id="rId2"/>
-    <p:sldId id="257" r:id="rId3"/>
-    <p:sldId id="262" r:id="rId4"/>
-    <p:sldId id="259" r:id="rId5"/>
-    <p:sldId id="265" r:id="rId6"/>
-    <p:sldId id="266" r:id="rId7"/>
-    <p:sldId id="267" r:id="rId8"/>
-    <p:sldId id="260" r:id="rId9"/>
-    <p:sldId id="261" r:id="rId10"/>
-    <p:sldId id="264" r:id="rId11"/>
+    <p:sldId id="260" r:id="rId3"/>
+    <p:sldId id="273" r:id="rId4"/>
+    <p:sldId id="262" r:id="rId5"/>
+    <p:sldId id="261" r:id="rId6"/>
+    <p:sldId id="268" r:id="rId7"/>
+    <p:sldId id="272" r:id="rId8"/>
+    <p:sldId id="269" r:id="rId9"/>
+    <p:sldId id="270" r:id="rId10"/>
+    <p:sldId id="257" r:id="rId11"/>
+    <p:sldId id="259" r:id="rId12"/>
+    <p:sldId id="265" r:id="rId13"/>
+    <p:sldId id="267" r:id="rId14"/>
+    <p:sldId id="266" r:id="rId15"/>
+    <p:sldId id="275" r:id="rId16"/>
+    <p:sldId id="264" r:id="rId17"/>
+    <p:sldId id="271" r:id="rId18"/>
+    <p:sldId id="274" r:id="rId19"/>
   </p:sldIdLst>
   <p:sldSz cx="12192000" cy="6858000"/>
   <p:notesSz cx="6858000" cy="9144000"/>
@@ -121,8 +129,424 @@
 </p:presentation>
 </file>
 
+<file path=ppt/revisionInfo.xml><?xml version="1.0" encoding="utf-8"?>
+<p1510:revInfo xmlns:a="http://schemas.openxmlformats.org/drawingml/2006/main" xmlns:r="http://schemas.openxmlformats.org/officeDocument/2006/relationships" xmlns:p1510="http://schemas.microsoft.com/office/powerpoint/2015/10/main">
+  <p1510:revLst>
+    <p1510:client id="{30310A27-1AA3-46CE-8040-E4BEBABA4B74}" v="23" dt="2020-09-01T23:19:37.763"/>
+  </p1510:revLst>
+</p1510:revInfo>
+</file>
+
 <file path=ppt/changesInfos/changesInfo1.xml><?xml version="1.0" encoding="utf-8"?>
 <pc:chgInfo xmlns:a="http://schemas.openxmlformats.org/drawingml/2006/main" xmlns:r="http://schemas.openxmlformats.org/officeDocument/2006/relationships" xmlns:ac="http://schemas.microsoft.com/office/drawing/2013/main/command" xmlns:pc="http://schemas.microsoft.com/office/powerpoint/2013/main/command">
+  <pc:docChgLst>
+    <pc:chgData name="Magnus Haugen" userId="e1383817-b5a9-4564-b9cb-b16075c1972c" providerId="ADAL" clId="{30310A27-1AA3-46CE-8040-E4BEBABA4B74}"/>
+    <pc:docChg chg="undo redo custSel mod addSld delSld modSld sldOrd">
+      <pc:chgData name="Magnus Haugen" userId="e1383817-b5a9-4564-b9cb-b16075c1972c" providerId="ADAL" clId="{30310A27-1AA3-46CE-8040-E4BEBABA4B74}" dt="2020-09-01T23:19:49.750" v="776" actId="27636"/>
+      <pc:docMkLst>
+        <pc:docMk/>
+      </pc:docMkLst>
+      <pc:sldChg chg="modSp mod">
+        <pc:chgData name="Magnus Haugen" userId="e1383817-b5a9-4564-b9cb-b16075c1972c" providerId="ADAL" clId="{30310A27-1AA3-46CE-8040-E4BEBABA4B74}" dt="2020-09-01T23:02:55.498" v="664" actId="20577"/>
+        <pc:sldMkLst>
+          <pc:docMk/>
+          <pc:sldMk cId="1486535821" sldId="259"/>
+        </pc:sldMkLst>
+        <pc:spChg chg="mod">
+          <ac:chgData name="Magnus Haugen" userId="e1383817-b5a9-4564-b9cb-b16075c1972c" providerId="ADAL" clId="{30310A27-1AA3-46CE-8040-E4BEBABA4B74}" dt="2020-09-01T23:02:55.498" v="664" actId="20577"/>
+          <ac:spMkLst>
+            <pc:docMk/>
+            <pc:sldMk cId="1486535821" sldId="259"/>
+            <ac:spMk id="3" creationId="{370BF219-8D86-4C9F-B033-0211F360FA48}"/>
+          </ac:spMkLst>
+        </pc:spChg>
+      </pc:sldChg>
+      <pc:sldChg chg="addSp delSp modSp mod ord modClrScheme chgLayout">
+        <pc:chgData name="Magnus Haugen" userId="e1383817-b5a9-4564-b9cb-b16075c1972c" providerId="ADAL" clId="{30310A27-1AA3-46CE-8040-E4BEBABA4B74}" dt="2020-09-01T22:58:59.647" v="646" actId="478"/>
+        <pc:sldMkLst>
+          <pc:docMk/>
+          <pc:sldMk cId="799593493" sldId="260"/>
+        </pc:sldMkLst>
+        <pc:spChg chg="add del mod ord">
+          <ac:chgData name="Magnus Haugen" userId="e1383817-b5a9-4564-b9cb-b16075c1972c" providerId="ADAL" clId="{30310A27-1AA3-46CE-8040-E4BEBABA4B74}" dt="2020-09-01T22:58:56.247" v="645" actId="478"/>
+          <ac:spMkLst>
+            <pc:docMk/>
+            <pc:sldMk cId="799593493" sldId="260"/>
+            <ac:spMk id="2" creationId="{D25B2BF0-2E3D-4D21-9B5E-D4432BFE0CC6}"/>
+          </ac:spMkLst>
+        </pc:spChg>
+        <pc:spChg chg="add del mod">
+          <ac:chgData name="Magnus Haugen" userId="e1383817-b5a9-4564-b9cb-b16075c1972c" providerId="ADAL" clId="{30310A27-1AA3-46CE-8040-E4BEBABA4B74}" dt="2020-09-01T22:58:59.647" v="646" actId="478"/>
+          <ac:spMkLst>
+            <pc:docMk/>
+            <pc:sldMk cId="799593493" sldId="260"/>
+            <ac:spMk id="4" creationId="{7C8516BA-3214-4479-9EE1-F7D0609909CB}"/>
+          </ac:spMkLst>
+        </pc:spChg>
+        <pc:picChg chg="mod">
+          <ac:chgData name="Magnus Haugen" userId="e1383817-b5a9-4564-b9cb-b16075c1972c" providerId="ADAL" clId="{30310A27-1AA3-46CE-8040-E4BEBABA4B74}" dt="2020-09-01T22:00:41.208" v="451" actId="1076"/>
+          <ac:picMkLst>
+            <pc:docMk/>
+            <pc:sldMk cId="799593493" sldId="260"/>
+            <ac:picMk id="5122" creationId="{C04F0873-9F58-46FF-B027-EACB2B436301}"/>
+          </ac:picMkLst>
+        </pc:picChg>
+      </pc:sldChg>
+      <pc:sldChg chg="addSp delSp modSp mod ord">
+        <pc:chgData name="Magnus Haugen" userId="e1383817-b5a9-4564-b9cb-b16075c1972c" providerId="ADAL" clId="{30310A27-1AA3-46CE-8040-E4BEBABA4B74}" dt="2020-09-01T22:21:33.098" v="572"/>
+        <pc:sldMkLst>
+          <pc:docMk/>
+          <pc:sldMk cId="526495768" sldId="261"/>
+        </pc:sldMkLst>
+        <pc:spChg chg="mod">
+          <ac:chgData name="Magnus Haugen" userId="e1383817-b5a9-4564-b9cb-b16075c1972c" providerId="ADAL" clId="{30310A27-1AA3-46CE-8040-E4BEBABA4B74}" dt="2020-09-01T21:30:46.479" v="160" actId="1076"/>
+          <ac:spMkLst>
+            <pc:docMk/>
+            <pc:sldMk cId="526495768" sldId="261"/>
+            <ac:spMk id="2" creationId="{454870A0-C760-48E8-B45A-54269A25D645}"/>
+          </ac:spMkLst>
+        </pc:spChg>
+        <pc:spChg chg="del">
+          <ac:chgData name="Magnus Haugen" userId="e1383817-b5a9-4564-b9cb-b16075c1972c" providerId="ADAL" clId="{30310A27-1AA3-46CE-8040-E4BEBABA4B74}" dt="2020-09-01T21:30:35.210" v="154" actId="478"/>
+          <ac:spMkLst>
+            <pc:docMk/>
+            <pc:sldMk cId="526495768" sldId="261"/>
+            <ac:spMk id="3" creationId="{9FEC71F0-B67C-4CF7-9B97-8AA6428C5A41}"/>
+          </ac:spMkLst>
+        </pc:spChg>
+        <pc:picChg chg="add del mod">
+          <ac:chgData name="Magnus Haugen" userId="e1383817-b5a9-4564-b9cb-b16075c1972c" providerId="ADAL" clId="{30310A27-1AA3-46CE-8040-E4BEBABA4B74}" dt="2020-09-01T21:30:48.263" v="162" actId="21"/>
+          <ac:picMkLst>
+            <pc:docMk/>
+            <pc:sldMk cId="526495768" sldId="261"/>
+            <ac:picMk id="5" creationId="{4BC32616-BA67-4221-BF8E-514F268CB998}"/>
+          </ac:picMkLst>
+        </pc:picChg>
+      </pc:sldChg>
+      <pc:sldChg chg="modSp mod ord">
+        <pc:chgData name="Magnus Haugen" userId="e1383817-b5a9-4564-b9cb-b16075c1972c" providerId="ADAL" clId="{30310A27-1AA3-46CE-8040-E4BEBABA4B74}" dt="2020-09-01T22:44:17.851" v="580"/>
+        <pc:sldMkLst>
+          <pc:docMk/>
+          <pc:sldMk cId="3246173786" sldId="262"/>
+        </pc:sldMkLst>
+        <pc:spChg chg="mod">
+          <ac:chgData name="Magnus Haugen" userId="e1383817-b5a9-4564-b9cb-b16075c1972c" providerId="ADAL" clId="{30310A27-1AA3-46CE-8040-E4BEBABA4B74}" dt="2020-09-01T22:21:57.481" v="575" actId="20577"/>
+          <ac:spMkLst>
+            <pc:docMk/>
+            <pc:sldMk cId="3246173786" sldId="262"/>
+            <ac:spMk id="2" creationId="{2ED7C543-2C39-4CEC-80D8-A86CC2E63C40}"/>
+          </ac:spMkLst>
+        </pc:spChg>
+        <pc:spChg chg="mod">
+          <ac:chgData name="Magnus Haugen" userId="e1383817-b5a9-4564-b9cb-b16075c1972c" providerId="ADAL" clId="{30310A27-1AA3-46CE-8040-E4BEBABA4B74}" dt="2020-09-01T21:30:08.176" v="153" actId="20577"/>
+          <ac:spMkLst>
+            <pc:docMk/>
+            <pc:sldMk cId="3246173786" sldId="262"/>
+            <ac:spMk id="3" creationId="{A41FAD49-B994-462A-BF79-1EE42969D369}"/>
+          </ac:spMkLst>
+        </pc:spChg>
+      </pc:sldChg>
+      <pc:sldChg chg="modSp mod ord">
+        <pc:chgData name="Magnus Haugen" userId="e1383817-b5a9-4564-b9cb-b16075c1972c" providerId="ADAL" clId="{30310A27-1AA3-46CE-8040-E4BEBABA4B74}" dt="2020-09-01T22:21:19.541" v="570" actId="20577"/>
+        <pc:sldMkLst>
+          <pc:docMk/>
+          <pc:sldMk cId="1478135642" sldId="264"/>
+        </pc:sldMkLst>
+        <pc:spChg chg="mod">
+          <ac:chgData name="Magnus Haugen" userId="e1383817-b5a9-4564-b9cb-b16075c1972c" providerId="ADAL" clId="{30310A27-1AA3-46CE-8040-E4BEBABA4B74}" dt="2020-09-01T22:21:19.541" v="570" actId="20577"/>
+          <ac:spMkLst>
+            <pc:docMk/>
+            <pc:sldMk cId="1478135642" sldId="264"/>
+            <ac:spMk id="3" creationId="{56970EE9-5671-4939-8926-447F1F8153D9}"/>
+          </ac:spMkLst>
+        </pc:spChg>
+      </pc:sldChg>
+      <pc:sldChg chg="addSp delSp modSp mod setBg">
+        <pc:chgData name="Magnus Haugen" userId="e1383817-b5a9-4564-b9cb-b16075c1972c" providerId="ADAL" clId="{30310A27-1AA3-46CE-8040-E4BEBABA4B74}" dt="2020-09-01T22:05:51.206" v="501" actId="6549"/>
+        <pc:sldMkLst>
+          <pc:docMk/>
+          <pc:sldMk cId="944785966" sldId="265"/>
+        </pc:sldMkLst>
+        <pc:spChg chg="mod">
+          <ac:chgData name="Magnus Haugen" userId="e1383817-b5a9-4564-b9cb-b16075c1972c" providerId="ADAL" clId="{30310A27-1AA3-46CE-8040-E4BEBABA4B74}" dt="2020-09-01T22:05:48.529" v="500" actId="26606"/>
+          <ac:spMkLst>
+            <pc:docMk/>
+            <pc:sldMk cId="944785966" sldId="265"/>
+            <ac:spMk id="2" creationId="{8768AA7D-DCEE-4FB8-BBBD-4B5EBBDC5E0E}"/>
+          </ac:spMkLst>
+        </pc:spChg>
+        <pc:spChg chg="add del mod">
+          <ac:chgData name="Magnus Haugen" userId="e1383817-b5a9-4564-b9cb-b16075c1972c" providerId="ADAL" clId="{30310A27-1AA3-46CE-8040-E4BEBABA4B74}" dt="2020-09-01T22:05:51.206" v="501" actId="6549"/>
+          <ac:spMkLst>
+            <pc:docMk/>
+            <pc:sldMk cId="944785966" sldId="265"/>
+            <ac:spMk id="3" creationId="{F8A105F1-F7D5-480A-97FE-EEAAA6F59513}"/>
+          </ac:spMkLst>
+        </pc:spChg>
+        <pc:spChg chg="add del">
+          <ac:chgData name="Magnus Haugen" userId="e1383817-b5a9-4564-b9cb-b16075c1972c" providerId="ADAL" clId="{30310A27-1AA3-46CE-8040-E4BEBABA4B74}" dt="2020-09-01T22:05:48.529" v="500" actId="26606"/>
+          <ac:spMkLst>
+            <pc:docMk/>
+            <pc:sldMk cId="944785966" sldId="265"/>
+            <ac:spMk id="9" creationId="{122F9423-F4B1-45D4-8445-E9991ECCBCCF}"/>
+          </ac:spMkLst>
+        </pc:spChg>
+        <pc:grpChg chg="add del">
+          <ac:chgData name="Magnus Haugen" userId="e1383817-b5a9-4564-b9cb-b16075c1972c" providerId="ADAL" clId="{30310A27-1AA3-46CE-8040-E4BEBABA4B74}" dt="2020-09-01T22:05:48.529" v="500" actId="26606"/>
+          <ac:grpSpMkLst>
+            <pc:docMk/>
+            <pc:sldMk cId="944785966" sldId="265"/>
+            <ac:grpSpMk id="11" creationId="{770AE191-D2EA-45C9-A44D-830C188F74CB}"/>
+          </ac:grpSpMkLst>
+        </pc:grpChg>
+        <pc:graphicFrameChg chg="add del">
+          <ac:chgData name="Magnus Haugen" userId="e1383817-b5a9-4564-b9cb-b16075c1972c" providerId="ADAL" clId="{30310A27-1AA3-46CE-8040-E4BEBABA4B74}" dt="2020-09-01T22:05:48.529" v="500" actId="26606"/>
+          <ac:graphicFrameMkLst>
+            <pc:docMk/>
+            <pc:sldMk cId="944785966" sldId="265"/>
+            <ac:graphicFrameMk id="5" creationId="{1AB3F602-3953-4055-8DAC-FEBE527C7CDF}"/>
+          </ac:graphicFrameMkLst>
+        </pc:graphicFrameChg>
+      </pc:sldChg>
+      <pc:sldChg chg="modSp mod">
+        <pc:chgData name="Magnus Haugen" userId="e1383817-b5a9-4564-b9cb-b16075c1972c" providerId="ADAL" clId="{30310A27-1AA3-46CE-8040-E4BEBABA4B74}" dt="2020-09-01T23:10:21.346" v="747" actId="20577"/>
+        <pc:sldMkLst>
+          <pc:docMk/>
+          <pc:sldMk cId="3657663998" sldId="266"/>
+        </pc:sldMkLst>
+        <pc:spChg chg="mod">
+          <ac:chgData name="Magnus Haugen" userId="e1383817-b5a9-4564-b9cb-b16075c1972c" providerId="ADAL" clId="{30310A27-1AA3-46CE-8040-E4BEBABA4B74}" dt="2020-09-01T23:10:21.346" v="747" actId="20577"/>
+          <ac:spMkLst>
+            <pc:docMk/>
+            <pc:sldMk cId="3657663998" sldId="266"/>
+            <ac:spMk id="3" creationId="{9AC03760-E71B-46DA-A2AD-2D2983B097AE}"/>
+          </ac:spMkLst>
+        </pc:spChg>
+      </pc:sldChg>
+      <pc:sldChg chg="modSp mod ord">
+        <pc:chgData name="Magnus Haugen" userId="e1383817-b5a9-4564-b9cb-b16075c1972c" providerId="ADAL" clId="{30310A27-1AA3-46CE-8040-E4BEBABA4B74}" dt="2020-09-01T23:09:30.116" v="692" actId="20577"/>
+        <pc:sldMkLst>
+          <pc:docMk/>
+          <pc:sldMk cId="1453356749" sldId="267"/>
+        </pc:sldMkLst>
+        <pc:spChg chg="mod">
+          <ac:chgData name="Magnus Haugen" userId="e1383817-b5a9-4564-b9cb-b16075c1972c" providerId="ADAL" clId="{30310A27-1AA3-46CE-8040-E4BEBABA4B74}" dt="2020-09-01T23:09:30.116" v="692" actId="20577"/>
+          <ac:spMkLst>
+            <pc:docMk/>
+            <pc:sldMk cId="1453356749" sldId="267"/>
+            <ac:spMk id="3" creationId="{FE35B4FB-C764-4967-849E-F8607637D548}"/>
+          </ac:spMkLst>
+        </pc:spChg>
+      </pc:sldChg>
+      <pc:sldChg chg="addSp delSp modSp new mod ord">
+        <pc:chgData name="Magnus Haugen" userId="e1383817-b5a9-4564-b9cb-b16075c1972c" providerId="ADAL" clId="{30310A27-1AA3-46CE-8040-E4BEBABA4B74}" dt="2020-09-01T22:19:53.635" v="526"/>
+        <pc:sldMkLst>
+          <pc:docMk/>
+          <pc:sldMk cId="339266346" sldId="268"/>
+        </pc:sldMkLst>
+        <pc:spChg chg="del">
+          <ac:chgData name="Magnus Haugen" userId="e1383817-b5a9-4564-b9cb-b16075c1972c" providerId="ADAL" clId="{30310A27-1AA3-46CE-8040-E4BEBABA4B74}" dt="2020-09-01T21:30:57.989" v="165" actId="478"/>
+          <ac:spMkLst>
+            <pc:docMk/>
+            <pc:sldMk cId="339266346" sldId="268"/>
+            <ac:spMk id="2" creationId="{7566A6DE-80C9-4C1D-8C6A-99D325DB06EE}"/>
+          </ac:spMkLst>
+        </pc:spChg>
+        <pc:spChg chg="del">
+          <ac:chgData name="Magnus Haugen" userId="e1383817-b5a9-4564-b9cb-b16075c1972c" providerId="ADAL" clId="{30310A27-1AA3-46CE-8040-E4BEBABA4B74}" dt="2020-09-01T21:30:55.191" v="164" actId="478"/>
+          <ac:spMkLst>
+            <pc:docMk/>
+            <pc:sldMk cId="339266346" sldId="268"/>
+            <ac:spMk id="3" creationId="{97F3DDA3-0532-4173-9EC6-E349915C1FD4}"/>
+          </ac:spMkLst>
+        </pc:spChg>
+        <pc:picChg chg="add mod">
+          <ac:chgData name="Magnus Haugen" userId="e1383817-b5a9-4564-b9cb-b16075c1972c" providerId="ADAL" clId="{30310A27-1AA3-46CE-8040-E4BEBABA4B74}" dt="2020-09-01T21:31:14.537" v="169" actId="1076"/>
+          <ac:picMkLst>
+            <pc:docMk/>
+            <pc:sldMk cId="339266346" sldId="268"/>
+            <ac:picMk id="5" creationId="{DAD133F0-8059-4234-9D04-7DD39401D1AC}"/>
+          </ac:picMkLst>
+        </pc:picChg>
+      </pc:sldChg>
+      <pc:sldChg chg="modSp new mod ord">
+        <pc:chgData name="Magnus Haugen" userId="e1383817-b5a9-4564-b9cb-b16075c1972c" providerId="ADAL" clId="{30310A27-1AA3-46CE-8040-E4BEBABA4B74}" dt="2020-09-01T22:20:34.249" v="552" actId="20577"/>
+        <pc:sldMkLst>
+          <pc:docMk/>
+          <pc:sldMk cId="2846314044" sldId="269"/>
+        </pc:sldMkLst>
+        <pc:spChg chg="mod">
+          <ac:chgData name="Magnus Haugen" userId="e1383817-b5a9-4564-b9cb-b16075c1972c" providerId="ADAL" clId="{30310A27-1AA3-46CE-8040-E4BEBABA4B74}" dt="2020-09-01T22:20:34.249" v="552" actId="20577"/>
+          <ac:spMkLst>
+            <pc:docMk/>
+            <pc:sldMk cId="2846314044" sldId="269"/>
+            <ac:spMk id="2" creationId="{BA5B0820-60F4-4E24-9333-EA3AD7DC66FC}"/>
+          </ac:spMkLst>
+        </pc:spChg>
+        <pc:spChg chg="mod">
+          <ac:chgData name="Magnus Haugen" userId="e1383817-b5a9-4564-b9cb-b16075c1972c" providerId="ADAL" clId="{30310A27-1AA3-46CE-8040-E4BEBABA4B74}" dt="2020-09-01T21:51:58.542" v="409" actId="20577"/>
+          <ac:spMkLst>
+            <pc:docMk/>
+            <pc:sldMk cId="2846314044" sldId="269"/>
+            <ac:spMk id="3" creationId="{87B0B248-4E49-480F-9090-D3B382A5AB38}"/>
+          </ac:spMkLst>
+        </pc:spChg>
+      </pc:sldChg>
+      <pc:sldChg chg="modSp new mod ord">
+        <pc:chgData name="Magnus Haugen" userId="e1383817-b5a9-4564-b9cb-b16075c1972c" providerId="ADAL" clId="{30310A27-1AA3-46CE-8040-E4BEBABA4B74}" dt="2020-09-01T22:45:49.565" v="607" actId="255"/>
+        <pc:sldMkLst>
+          <pc:docMk/>
+          <pc:sldMk cId="2760577703" sldId="270"/>
+        </pc:sldMkLst>
+        <pc:spChg chg="mod">
+          <ac:chgData name="Magnus Haugen" userId="e1383817-b5a9-4564-b9cb-b16075c1972c" providerId="ADAL" clId="{30310A27-1AA3-46CE-8040-E4BEBABA4B74}" dt="2020-09-01T22:06:16.343" v="511" actId="20577"/>
+          <ac:spMkLst>
+            <pc:docMk/>
+            <pc:sldMk cId="2760577703" sldId="270"/>
+            <ac:spMk id="2" creationId="{D8C83673-AEFA-46E8-BC85-EA64CCD9DBE8}"/>
+          </ac:spMkLst>
+        </pc:spChg>
+        <pc:spChg chg="mod">
+          <ac:chgData name="Magnus Haugen" userId="e1383817-b5a9-4564-b9cb-b16075c1972c" providerId="ADAL" clId="{30310A27-1AA3-46CE-8040-E4BEBABA4B74}" dt="2020-09-01T22:45:49.565" v="607" actId="255"/>
+          <ac:spMkLst>
+            <pc:docMk/>
+            <pc:sldMk cId="2760577703" sldId="270"/>
+            <ac:spMk id="3" creationId="{B6AF7019-14CE-41B1-BDD3-549E04B6448B}"/>
+          </ac:spMkLst>
+        </pc:spChg>
+      </pc:sldChg>
+      <pc:sldChg chg="modSp new mod ord">
+        <pc:chgData name="Magnus Haugen" userId="e1383817-b5a9-4564-b9cb-b16075c1972c" providerId="ADAL" clId="{30310A27-1AA3-46CE-8040-E4BEBABA4B74}" dt="2020-09-01T23:19:49.750" v="776" actId="27636"/>
+        <pc:sldMkLst>
+          <pc:docMk/>
+          <pc:sldMk cId="3770800640" sldId="271"/>
+        </pc:sldMkLst>
+        <pc:spChg chg="mod">
+          <ac:chgData name="Magnus Haugen" userId="e1383817-b5a9-4564-b9cb-b16075c1972c" providerId="ADAL" clId="{30310A27-1AA3-46CE-8040-E4BEBABA4B74}" dt="2020-09-01T22:50:50.680" v="609" actId="20577"/>
+          <ac:spMkLst>
+            <pc:docMk/>
+            <pc:sldMk cId="3770800640" sldId="271"/>
+            <ac:spMk id="2" creationId="{5D4B32A7-7E4F-4E6B-92F1-CE5A5D4CF011}"/>
+          </ac:spMkLst>
+        </pc:spChg>
+        <pc:spChg chg="mod">
+          <ac:chgData name="Magnus Haugen" userId="e1383817-b5a9-4564-b9cb-b16075c1972c" providerId="ADAL" clId="{30310A27-1AA3-46CE-8040-E4BEBABA4B74}" dt="2020-09-01T23:19:49.750" v="776" actId="27636"/>
+          <ac:spMkLst>
+            <pc:docMk/>
+            <pc:sldMk cId="3770800640" sldId="271"/>
+            <ac:spMk id="3" creationId="{DFA5FDB9-19A7-4A9E-BDE8-121D644CEC38}"/>
+          </ac:spMkLst>
+        </pc:spChg>
+      </pc:sldChg>
+      <pc:sldChg chg="addSp">
+        <pc:chgData name="Magnus Haugen" userId="e1383817-b5a9-4564-b9cb-b16075c1972c" providerId="ADAL" clId="{30310A27-1AA3-46CE-8040-E4BEBABA4B74}" dt="2020-09-01T22:02:34.206" v="486"/>
+        <pc:sldMkLst>
+          <pc:docMk/>
+          <pc:sldMk cId="1477104785" sldId="272"/>
+        </pc:sldMkLst>
+        <pc:picChg chg="add">
+          <ac:chgData name="Magnus Haugen" userId="e1383817-b5a9-4564-b9cb-b16075c1972c" providerId="ADAL" clId="{30310A27-1AA3-46CE-8040-E4BEBABA4B74}" dt="2020-09-01T22:02:34.206" v="486"/>
+          <ac:picMkLst>
+            <pc:docMk/>
+            <pc:sldMk cId="1477104785" sldId="272"/>
+            <ac:picMk id="1026" creationId="{62064D8F-D290-440B-871D-259B4691BD97}"/>
+          </ac:picMkLst>
+        </pc:picChg>
+      </pc:sldChg>
+      <pc:sldChg chg="delSp modSp new add del mod ord">
+        <pc:chgData name="Magnus Haugen" userId="e1383817-b5a9-4564-b9cb-b16075c1972c" providerId="ADAL" clId="{30310A27-1AA3-46CE-8040-E4BEBABA4B74}" dt="2020-09-01T22:19:53.635" v="526"/>
+        <pc:sldMkLst>
+          <pc:docMk/>
+          <pc:sldMk cId="1868780476" sldId="272"/>
+        </pc:sldMkLst>
+        <pc:spChg chg="del">
+          <ac:chgData name="Magnus Haugen" userId="e1383817-b5a9-4564-b9cb-b16075c1972c" providerId="ADAL" clId="{30310A27-1AA3-46CE-8040-E4BEBABA4B74}" dt="2020-09-01T22:02:32.669" v="485" actId="478"/>
+          <ac:spMkLst>
+            <pc:docMk/>
+            <pc:sldMk cId="1868780476" sldId="272"/>
+            <ac:spMk id="2" creationId="{A1A0CE72-2913-4AE7-B44C-CC5CAB274D5D}"/>
+          </ac:spMkLst>
+        </pc:spChg>
+        <pc:spChg chg="del">
+          <ac:chgData name="Magnus Haugen" userId="e1383817-b5a9-4564-b9cb-b16075c1972c" providerId="ADAL" clId="{30310A27-1AA3-46CE-8040-E4BEBABA4B74}" dt="2020-09-01T22:02:29.462" v="484" actId="478"/>
+          <ac:spMkLst>
+            <pc:docMk/>
+            <pc:sldMk cId="1868780476" sldId="272"/>
+            <ac:spMk id="3" creationId="{76DB8E2B-5DA1-47D4-A9DC-DBA2A7849900}"/>
+          </ac:spMkLst>
+        </pc:spChg>
+        <pc:picChg chg="mod">
+          <ac:chgData name="Magnus Haugen" userId="e1383817-b5a9-4564-b9cb-b16075c1972c" providerId="ADAL" clId="{30310A27-1AA3-46CE-8040-E4BEBABA4B74}" dt="2020-09-01T22:02:39.217" v="489" actId="1076"/>
+          <ac:picMkLst>
+            <pc:docMk/>
+            <pc:sldMk cId="1868780476" sldId="272"/>
+            <ac:picMk id="1026" creationId="{62064D8F-D290-440B-871D-259B4691BD97}"/>
+          </ac:picMkLst>
+        </pc:picChg>
+      </pc:sldChg>
+      <pc:sldChg chg="addSp delSp modSp new mod ord">
+        <pc:chgData name="Magnus Haugen" userId="e1383817-b5a9-4564-b9cb-b16075c1972c" providerId="ADAL" clId="{30310A27-1AA3-46CE-8040-E4BEBABA4B74}" dt="2020-09-01T22:19:29.942" v="522"/>
+        <pc:sldMkLst>
+          <pc:docMk/>
+          <pc:sldMk cId="2797283760" sldId="273"/>
+        </pc:sldMkLst>
+        <pc:spChg chg="del">
+          <ac:chgData name="Magnus Haugen" userId="e1383817-b5a9-4564-b9cb-b16075c1972c" providerId="ADAL" clId="{30310A27-1AA3-46CE-8040-E4BEBABA4B74}" dt="2020-09-01T22:05:16.540" v="497" actId="478"/>
+          <ac:spMkLst>
+            <pc:docMk/>
+            <pc:sldMk cId="2797283760" sldId="273"/>
+            <ac:spMk id="2" creationId="{479B558B-76A7-4097-AA15-AB8C56CBC6AB}"/>
+          </ac:spMkLst>
+        </pc:spChg>
+        <pc:picChg chg="add mod">
+          <ac:chgData name="Magnus Haugen" userId="e1383817-b5a9-4564-b9cb-b16075c1972c" providerId="ADAL" clId="{30310A27-1AA3-46CE-8040-E4BEBABA4B74}" dt="2020-09-01T22:05:17.924" v="498" actId="1076"/>
+          <ac:picMkLst>
+            <pc:docMk/>
+            <pc:sldMk cId="2797283760" sldId="273"/>
+            <ac:picMk id="4" creationId="{2760AFA0-500C-4FC2-BDE9-919D9596B380}"/>
+          </ac:picMkLst>
+        </pc:picChg>
+      </pc:sldChg>
+      <pc:sldChg chg="modSp new mod">
+        <pc:chgData name="Magnus Haugen" userId="e1383817-b5a9-4564-b9cb-b16075c1972c" providerId="ADAL" clId="{30310A27-1AA3-46CE-8040-E4BEBABA4B74}" dt="2020-09-01T22:57:35.450" v="644" actId="20577"/>
+        <pc:sldMkLst>
+          <pc:docMk/>
+          <pc:sldMk cId="834510257" sldId="274"/>
+        </pc:sldMkLst>
+        <pc:spChg chg="mod">
+          <ac:chgData name="Magnus Haugen" userId="e1383817-b5a9-4564-b9cb-b16075c1972c" providerId="ADAL" clId="{30310A27-1AA3-46CE-8040-E4BEBABA4B74}" dt="2020-09-01T22:51:02.993" v="622" actId="20577"/>
+          <ac:spMkLst>
+            <pc:docMk/>
+            <pc:sldMk cId="834510257" sldId="274"/>
+            <ac:spMk id="2" creationId="{3B91C78E-1A2F-404B-9921-D54DC49D6C21}"/>
+          </ac:spMkLst>
+        </pc:spChg>
+        <pc:spChg chg="mod">
+          <ac:chgData name="Magnus Haugen" userId="e1383817-b5a9-4564-b9cb-b16075c1972c" providerId="ADAL" clId="{30310A27-1AA3-46CE-8040-E4BEBABA4B74}" dt="2020-09-01T22:57:35.450" v="644" actId="20577"/>
+          <ac:spMkLst>
+            <pc:docMk/>
+            <pc:sldMk cId="834510257" sldId="274"/>
+            <ac:spMk id="3" creationId="{F8AB7D89-1019-4AD2-AD04-2C7E1CA0604F}"/>
+          </ac:spMkLst>
+        </pc:spChg>
+      </pc:sldChg>
+      <pc:sldChg chg="modSp new mod">
+        <pc:chgData name="Magnus Haugen" userId="e1383817-b5a9-4564-b9cb-b16075c1972c" providerId="ADAL" clId="{30310A27-1AA3-46CE-8040-E4BEBABA4B74}" dt="2020-09-01T23:09:18.901" v="680" actId="20577"/>
+        <pc:sldMkLst>
+          <pc:docMk/>
+          <pc:sldMk cId="2833571682" sldId="275"/>
+        </pc:sldMkLst>
+        <pc:spChg chg="mod">
+          <ac:chgData name="Magnus Haugen" userId="e1383817-b5a9-4564-b9cb-b16075c1972c" providerId="ADAL" clId="{30310A27-1AA3-46CE-8040-E4BEBABA4B74}" dt="2020-09-01T23:09:18.901" v="680" actId="20577"/>
+          <ac:spMkLst>
+            <pc:docMk/>
+            <pc:sldMk cId="2833571682" sldId="275"/>
+            <ac:spMk id="2" creationId="{69286002-F797-4D12-A040-9F706089147C}"/>
+          </ac:spMkLst>
+        </pc:spChg>
+      </pc:sldChg>
+    </pc:docChg>
+  </pc:docChgLst>
   <pc:docChgLst>
     <pc:chgData name="Magnus Haugen" userId="e1383817-b5a9-4564-b9cb-b16075c1972c" providerId="ADAL" clId="{2CBD4DF5-EB9E-418C-AB4C-232A87D9A7CA}"/>
     <pc:docChg chg="modSld">
@@ -305,7 +729,7 @@
           <a:p>
             <a:fld id="{32844A83-6C71-4801-BA37-EA9FF4C06BE7}" type="datetimeFigureOut">
               <a:rPr lang="nb-NO" smtClean="0"/>
-              <a:t>31.08.2020</a:t>
+              <a:t>01.09.2020</a:t>
             </a:fld>
             <a:endParaRPr lang="nb-NO"/>
           </a:p>
@@ -503,7 +927,7 @@
           <a:p>
             <a:fld id="{32844A83-6C71-4801-BA37-EA9FF4C06BE7}" type="datetimeFigureOut">
               <a:rPr lang="nb-NO" smtClean="0"/>
-              <a:t>31.08.2020</a:t>
+              <a:t>01.09.2020</a:t>
             </a:fld>
             <a:endParaRPr lang="nb-NO"/>
           </a:p>
@@ -711,7 +1135,7 @@
           <a:p>
             <a:fld id="{32844A83-6C71-4801-BA37-EA9FF4C06BE7}" type="datetimeFigureOut">
               <a:rPr lang="nb-NO" smtClean="0"/>
-              <a:t>31.08.2020</a:t>
+              <a:t>01.09.2020</a:t>
             </a:fld>
             <a:endParaRPr lang="nb-NO"/>
           </a:p>
@@ -909,7 +1333,7 @@
           <a:p>
             <a:fld id="{32844A83-6C71-4801-BA37-EA9FF4C06BE7}" type="datetimeFigureOut">
               <a:rPr lang="nb-NO" smtClean="0"/>
-              <a:t>31.08.2020</a:t>
+              <a:t>01.09.2020</a:t>
             </a:fld>
             <a:endParaRPr lang="nb-NO"/>
           </a:p>
@@ -1184,7 +1608,7 @@
           <a:p>
             <a:fld id="{32844A83-6C71-4801-BA37-EA9FF4C06BE7}" type="datetimeFigureOut">
               <a:rPr lang="nb-NO" smtClean="0"/>
-              <a:t>31.08.2020</a:t>
+              <a:t>01.09.2020</a:t>
             </a:fld>
             <a:endParaRPr lang="nb-NO"/>
           </a:p>
@@ -1449,7 +1873,7 @@
           <a:p>
             <a:fld id="{32844A83-6C71-4801-BA37-EA9FF4C06BE7}" type="datetimeFigureOut">
               <a:rPr lang="nb-NO" smtClean="0"/>
-              <a:t>31.08.2020</a:t>
+              <a:t>01.09.2020</a:t>
             </a:fld>
             <a:endParaRPr lang="nb-NO"/>
           </a:p>
@@ -1861,7 +2285,7 @@
           <a:p>
             <a:fld id="{32844A83-6C71-4801-BA37-EA9FF4C06BE7}" type="datetimeFigureOut">
               <a:rPr lang="nb-NO" smtClean="0"/>
-              <a:t>31.08.2020</a:t>
+              <a:t>01.09.2020</a:t>
             </a:fld>
             <a:endParaRPr lang="nb-NO"/>
           </a:p>
@@ -2002,7 +2426,7 @@
           <a:p>
             <a:fld id="{32844A83-6C71-4801-BA37-EA9FF4C06BE7}" type="datetimeFigureOut">
               <a:rPr lang="nb-NO" smtClean="0"/>
-              <a:t>31.08.2020</a:t>
+              <a:t>01.09.2020</a:t>
             </a:fld>
             <a:endParaRPr lang="nb-NO"/>
           </a:p>
@@ -2115,7 +2539,7 @@
           <a:p>
             <a:fld id="{32844A83-6C71-4801-BA37-EA9FF4C06BE7}" type="datetimeFigureOut">
               <a:rPr lang="nb-NO" smtClean="0"/>
-              <a:t>31.08.2020</a:t>
+              <a:t>01.09.2020</a:t>
             </a:fld>
             <a:endParaRPr lang="nb-NO"/>
           </a:p>
@@ -2426,7 +2850,7 @@
           <a:p>
             <a:fld id="{32844A83-6C71-4801-BA37-EA9FF4C06BE7}" type="datetimeFigureOut">
               <a:rPr lang="nb-NO" smtClean="0"/>
-              <a:t>31.08.2020</a:t>
+              <a:t>01.09.2020</a:t>
             </a:fld>
             <a:endParaRPr lang="nb-NO"/>
           </a:p>
@@ -2714,7 +3138,7 @@
           <a:p>
             <a:fld id="{32844A83-6C71-4801-BA37-EA9FF4C06BE7}" type="datetimeFigureOut">
               <a:rPr lang="nb-NO" smtClean="0"/>
-              <a:t>31.08.2020</a:t>
+              <a:t>01.09.2020</a:t>
             </a:fld>
             <a:endParaRPr lang="nb-NO"/>
           </a:p>
@@ -2955,7 +3379,7 @@
           <a:p>
             <a:fld id="{32844A83-6C71-4801-BA37-EA9FF4C06BE7}" type="datetimeFigureOut">
               <a:rPr lang="nb-NO" smtClean="0"/>
-              <a:t>31.08.2020</a:t>
+              <a:t>01.09.2020</a:t>
             </a:fld>
             <a:endParaRPr lang="nb-NO"/>
           </a:p>
@@ -3449,93 +3873,6 @@
           <a:chExt cx="0" cy="0"/>
         </a:xfrm>
       </p:grpSpPr>
-      <p:sp>
-        <p:nvSpPr>
-          <p:cNvPr id="2" name="Tittel 1">
-            <a:extLst>
-              <a:ext uri="{FF2B5EF4-FFF2-40B4-BE49-F238E27FC236}">
-                <a16:creationId xmlns:a16="http://schemas.microsoft.com/office/drawing/2014/main" id="{15C9A5BE-3A7C-4559-AC46-95674D54A869}"/>
-              </a:ext>
-            </a:extLst>
-          </p:cNvPr>
-          <p:cNvSpPr>
-            <a:spLocks noGrp="1"/>
-          </p:cNvSpPr>
-          <p:nvPr>
-            <p:ph type="title"/>
-          </p:nvPr>
-        </p:nvSpPr>
-        <p:spPr/>
-        <p:txBody>
-          <a:bodyPr/>
-          <a:lstStyle/>
-          <a:p>
-            <a:r>
-              <a:rPr lang="nb-NO" dirty="0" err="1"/>
-              <a:t>Use</a:t>
-            </a:r>
-            <a:r>
-              <a:rPr lang="nb-NO" dirty="0"/>
-              <a:t> case </a:t>
-            </a:r>
-          </a:p>
-        </p:txBody>
-      </p:sp>
-      <p:sp>
-        <p:nvSpPr>
-          <p:cNvPr id="3" name="Plassholder for innhold 2">
-            <a:extLst>
-              <a:ext uri="{FF2B5EF4-FFF2-40B4-BE49-F238E27FC236}">
-                <a16:creationId xmlns:a16="http://schemas.microsoft.com/office/drawing/2014/main" id="{56970EE9-5671-4939-8926-447F1F8153D9}"/>
-              </a:ext>
-            </a:extLst>
-          </p:cNvPr>
-          <p:cNvSpPr>
-            <a:spLocks noGrp="1"/>
-          </p:cNvSpPr>
-          <p:nvPr>
-            <p:ph idx="1"/>
-          </p:nvPr>
-        </p:nvSpPr>
-        <p:spPr/>
-        <p:txBody>
-          <a:bodyPr/>
-          <a:lstStyle/>
-          <a:p>
-            <a:endParaRPr lang="nb-NO"/>
-          </a:p>
-        </p:txBody>
-      </p:sp>
-    </p:spTree>
-    <p:extLst>
-      <p:ext uri="{BB962C8B-B14F-4D97-AF65-F5344CB8AC3E}">
-        <p14:creationId xmlns:p14="http://schemas.microsoft.com/office/powerpoint/2010/main" val="1478135642"/>
-      </p:ext>
-    </p:extLst>
-  </p:cSld>
-  <p:clrMapOvr>
-    <a:masterClrMapping/>
-  </p:clrMapOvr>
-</p:sld>
-</file>
-
-<file path=ppt/slides/slide2.xml><?xml version="1.0" encoding="utf-8"?>
-<p:sld xmlns:a="http://schemas.openxmlformats.org/drawingml/2006/main" xmlns:r="http://schemas.openxmlformats.org/officeDocument/2006/relationships" xmlns:p="http://schemas.openxmlformats.org/presentationml/2006/main">
-  <p:cSld>
-    <p:spTree>
-      <p:nvGrpSpPr>
-        <p:cNvPr id="1" name=""/>
-        <p:cNvGrpSpPr/>
-        <p:nvPr/>
-      </p:nvGrpSpPr>
-      <p:grpSpPr>
-        <a:xfrm>
-          <a:off x="0" y="0"/>
-          <a:ext cx="0" cy="0"/>
-          <a:chOff x="0" y="0"/>
-          <a:chExt cx="0" cy="0"/>
-        </a:xfrm>
-      </p:grpSpPr>
       <p:pic>
         <p:nvPicPr>
           <p:cNvPr id="1026" name="Picture 2" descr="GitHub - vincent-yao27/Pornhub-style-icon-generator: Just a Pornhub style  icon generator">
@@ -3598,7 +3935,7 @@
 </p:sld>
 </file>
 
-<file path=ppt/slides/slide3.xml><?xml version="1.0" encoding="utf-8"?>
+<file path=ppt/slides/slide11.xml><?xml version="1.0" encoding="utf-8"?>
 <p:sld xmlns:a="http://schemas.openxmlformats.org/drawingml/2006/main" xmlns:r="http://schemas.openxmlformats.org/officeDocument/2006/relationships" xmlns:p="http://schemas.openxmlformats.org/presentationml/2006/main">
   <p:cSld>
     <p:spTree>
@@ -3620,7 +3957,7 @@
           <p:cNvPr id="2" name="Tittel 1">
             <a:extLst>
               <a:ext uri="{FF2B5EF4-FFF2-40B4-BE49-F238E27FC236}">
-                <a16:creationId xmlns:a16="http://schemas.microsoft.com/office/drawing/2014/main" id="{2ED7C543-2C39-4CEC-80D8-A86CC2E63C40}"/>
+                <a16:creationId xmlns:a16="http://schemas.microsoft.com/office/drawing/2014/main" id="{0F7372A9-BDFD-46C2-A70A-5D5F92584A8F}"/>
               </a:ext>
             </a:extLst>
           </p:cNvPr>
@@ -3637,8 +3974,50 @@
           <a:lstStyle/>
           <a:p>
             <a:r>
+              <a:rPr lang="nb-NO" dirty="0"/>
+              <a:t>Web </a:t>
+            </a:r>
+            <a:r>
               <a:rPr lang="nb-NO" dirty="0" err="1"/>
-              <a:t>Why</a:t>
+              <a:t>gui</a:t>
+            </a:r>
+            <a:r>
+              <a:rPr lang="nb-NO" dirty="0"/>
+              <a:t> (demo)</a:t>
+            </a:r>
+          </a:p>
+        </p:txBody>
+      </p:sp>
+      <p:sp>
+        <p:nvSpPr>
+          <p:cNvPr id="3" name="Plassholder for innhold 2">
+            <a:extLst>
+              <a:ext uri="{FF2B5EF4-FFF2-40B4-BE49-F238E27FC236}">
+                <a16:creationId xmlns:a16="http://schemas.microsoft.com/office/drawing/2014/main" id="{370BF219-8D86-4C9F-B033-0211F360FA48}"/>
+              </a:ext>
+            </a:extLst>
+          </p:cNvPr>
+          <p:cNvSpPr>
+            <a:spLocks noGrp="1"/>
+          </p:cNvSpPr>
+          <p:nvPr>
+            <p:ph idx="1"/>
+          </p:nvPr>
+        </p:nvSpPr>
+        <p:spPr/>
+        <p:txBody>
+          <a:bodyPr/>
+          <a:lstStyle/>
+          <a:p>
+            <a:r>
+              <a:rPr lang="nb-NO" dirty="0"/>
+              <a:t>url</a:t>
+            </a:r>
+          </a:p>
+          <a:p>
+            <a:r>
+              <a:rPr lang="nb-NO" dirty="0" err="1"/>
+              <a:t>TechTorsdag</a:t>
             </a:r>
             <a:r>
               <a:rPr lang="nb-NO" dirty="0"/>
@@ -3646,33 +4025,31 @@
             </a:r>
             <a:r>
               <a:rPr lang="nb-NO" dirty="0" err="1"/>
-              <a:t>github</a:t>
+              <a:t>repo</a:t>
             </a:r>
             <a:endParaRPr lang="nb-NO" dirty="0"/>
           </a:p>
-        </p:txBody>
-      </p:sp>
-      <p:sp>
-        <p:nvSpPr>
-          <p:cNvPr id="3" name="Plassholder for innhold 2">
-            <a:extLst>
-              <a:ext uri="{FF2B5EF4-FFF2-40B4-BE49-F238E27FC236}">
-                <a16:creationId xmlns:a16="http://schemas.microsoft.com/office/drawing/2014/main" id="{A41FAD49-B994-462A-BF79-1EE42969D369}"/>
-              </a:ext>
-            </a:extLst>
-          </p:cNvPr>
-          <p:cNvSpPr>
-            <a:spLocks noGrp="1"/>
-          </p:cNvSpPr>
-          <p:nvPr>
-            <p:ph idx="1"/>
-          </p:nvPr>
-        </p:nvSpPr>
-        <p:spPr/>
-        <p:txBody>
-          <a:bodyPr/>
-          <a:lstStyle/>
-          <a:p>
+          <a:p>
+            <a:r>
+              <a:rPr lang="nb-NO" dirty="0"/>
+              <a:t>Edit fils</a:t>
+            </a:r>
+          </a:p>
+          <a:p>
+            <a:r>
+              <a:rPr lang="nb-NO" dirty="0" err="1"/>
+              <a:t>Change</a:t>
+            </a:r>
+            <a:r>
+              <a:rPr lang="nb-NO" dirty="0"/>
+              <a:t> log</a:t>
+            </a:r>
+          </a:p>
+          <a:p>
+            <a:r>
+              <a:rPr lang="nb-NO" dirty="0" err="1"/>
+              <a:t>issue</a:t>
+            </a:r>
             <a:endParaRPr lang="nb-NO" dirty="0"/>
           </a:p>
         </p:txBody>
@@ -3680,7 +4057,7 @@
     </p:spTree>
     <p:extLst>
       <p:ext uri="{BB962C8B-B14F-4D97-AF65-F5344CB8AC3E}">
-        <p14:creationId xmlns:p14="http://schemas.microsoft.com/office/powerpoint/2010/main" val="3246173786"/>
+        <p14:creationId xmlns:p14="http://schemas.microsoft.com/office/powerpoint/2010/main" val="1486535821"/>
       </p:ext>
     </p:extLst>
   </p:cSld>
@@ -3690,7 +4067,7 @@
 </p:sld>
 </file>
 
-<file path=ppt/slides/slide4.xml><?xml version="1.0" encoding="utf-8"?>
+<file path=ppt/slides/slide12.xml><?xml version="1.0" encoding="utf-8"?>
 <p:sld xmlns:a="http://schemas.openxmlformats.org/drawingml/2006/main" xmlns:r="http://schemas.openxmlformats.org/officeDocument/2006/relationships" xmlns:p="http://schemas.openxmlformats.org/presentationml/2006/main">
   <p:cSld>
     <p:spTree>
@@ -3712,7 +4089,7 @@
           <p:cNvPr id="2" name="Tittel 1">
             <a:extLst>
               <a:ext uri="{FF2B5EF4-FFF2-40B4-BE49-F238E27FC236}">
-                <a16:creationId xmlns:a16="http://schemas.microsoft.com/office/drawing/2014/main" id="{0F7372A9-BDFD-46C2-A70A-5D5F92584A8F}"/>
+                <a16:creationId xmlns:a16="http://schemas.microsoft.com/office/drawing/2014/main" id="{8768AA7D-DCEE-4FB8-BBBD-4B5EBBDC5E0E}"/>
               </a:ext>
             </a:extLst>
           </p:cNvPr>
@@ -3730,50 +4107,57 @@
           <a:p>
             <a:r>
               <a:rPr lang="nb-NO" dirty="0"/>
-              <a:t>Web </a:t>
+              <a:t>Desktop app (demo)</a:t>
+            </a:r>
+          </a:p>
+        </p:txBody>
+      </p:sp>
+      <p:sp>
+        <p:nvSpPr>
+          <p:cNvPr id="3" name="Plassholder for innhold 2">
+            <a:extLst>
+              <a:ext uri="{FF2B5EF4-FFF2-40B4-BE49-F238E27FC236}">
+                <a16:creationId xmlns:a16="http://schemas.microsoft.com/office/drawing/2014/main" id="{F8A105F1-F7D5-480A-97FE-EEAAA6F59513}"/>
+              </a:ext>
+            </a:extLst>
+          </p:cNvPr>
+          <p:cNvSpPr>
+            <a:spLocks noGrp="1"/>
+          </p:cNvSpPr>
+          <p:nvPr>
+            <p:ph idx="1"/>
+          </p:nvPr>
+        </p:nvSpPr>
+        <p:spPr/>
+        <p:txBody>
+          <a:bodyPr/>
+          <a:lstStyle/>
+          <a:p>
+            <a:r>
+              <a:rPr lang="nb-NO" dirty="0"/>
+              <a:t>Connect to </a:t>
             </a:r>
             <a:r>
               <a:rPr lang="nb-NO" dirty="0" err="1"/>
-              <a:t>gui</a:t>
-            </a:r>
+              <a:t>user</a:t>
+            </a:r>
+            <a:endParaRPr lang="nb-NO" dirty="0"/>
+          </a:p>
+          <a:p>
             <a:r>
               <a:rPr lang="nb-NO" dirty="0"/>
-              <a:t> (demo)</a:t>
-            </a:r>
-          </a:p>
-        </p:txBody>
-      </p:sp>
-      <p:sp>
-        <p:nvSpPr>
-          <p:cNvPr id="3" name="Plassholder for innhold 2">
-            <a:extLst>
-              <a:ext uri="{FF2B5EF4-FFF2-40B4-BE49-F238E27FC236}">
-                <a16:creationId xmlns:a16="http://schemas.microsoft.com/office/drawing/2014/main" id="{370BF219-8D86-4C9F-B033-0211F360FA48}"/>
-              </a:ext>
-            </a:extLst>
-          </p:cNvPr>
-          <p:cNvSpPr>
-            <a:spLocks noGrp="1"/>
-          </p:cNvSpPr>
-          <p:nvPr>
-            <p:ph idx="1"/>
-          </p:nvPr>
-        </p:nvSpPr>
-        <p:spPr/>
-        <p:txBody>
-          <a:bodyPr/>
-          <a:lstStyle/>
-          <a:p>
-            <a:r>
-              <a:rPr lang="nb-NO"/>
-              <a:t>url</a:t>
+              <a:t>Connect to </a:t>
+            </a:r>
+            <a:r>
+              <a:rPr lang="nb-NO" dirty="0" err="1"/>
+              <a:t>repo</a:t>
             </a:r>
             <a:endParaRPr lang="nb-NO" dirty="0"/>
           </a:p>
           <a:p>
             <a:r>
               <a:rPr lang="nb-NO" dirty="0" err="1"/>
-              <a:t>TechTorsdag</a:t>
+              <a:t>Change</a:t>
             </a:r>
             <a:r>
               <a:rPr lang="nb-NO" dirty="0"/>
@@ -3786,17 +4170,14 @@
             <a:endParaRPr lang="nb-NO" dirty="0"/>
           </a:p>
           <a:p>
-            <a:r>
-              <a:rPr lang="nb-NO" dirty="0"/>
-              <a:t>Edit fils</a:t>
-            </a:r>
+            <a:endParaRPr lang="nb-NO" dirty="0"/>
           </a:p>
         </p:txBody>
       </p:sp>
     </p:spTree>
     <p:extLst>
       <p:ext uri="{BB962C8B-B14F-4D97-AF65-F5344CB8AC3E}">
-        <p14:creationId xmlns:p14="http://schemas.microsoft.com/office/powerpoint/2010/main" val="1486535821"/>
+        <p14:creationId xmlns:p14="http://schemas.microsoft.com/office/powerpoint/2010/main" val="944785966"/>
       </p:ext>
     </p:extLst>
   </p:cSld>
@@ -3806,7 +4187,7 @@
 </p:sld>
 </file>
 
-<file path=ppt/slides/slide5.xml><?xml version="1.0" encoding="utf-8"?>
+<file path=ppt/slides/slide13.xml><?xml version="1.0" encoding="utf-8"?>
 <p:sld xmlns:a="http://schemas.openxmlformats.org/drawingml/2006/main" xmlns:r="http://schemas.openxmlformats.org/officeDocument/2006/relationships" xmlns:p="http://schemas.openxmlformats.org/presentationml/2006/main">
   <p:cSld>
     <p:spTree>
@@ -3828,7 +4209,7 @@
           <p:cNvPr id="2" name="Tittel 1">
             <a:extLst>
               <a:ext uri="{FF2B5EF4-FFF2-40B4-BE49-F238E27FC236}">
-                <a16:creationId xmlns:a16="http://schemas.microsoft.com/office/drawing/2014/main" id="{8768AA7D-DCEE-4FB8-BBBD-4B5EBBDC5E0E}"/>
+                <a16:creationId xmlns:a16="http://schemas.microsoft.com/office/drawing/2014/main" id="{4557270B-9E0C-44BF-90B8-38FB309858BE}"/>
               </a:ext>
             </a:extLst>
           </p:cNvPr>
@@ -3846,7 +4227,15 @@
           <a:p>
             <a:r>
               <a:rPr lang="nb-NO" dirty="0"/>
-              <a:t>Desktop app (demo)</a:t>
+              <a:t>VS Code </a:t>
+            </a:r>
+            <a:r>
+              <a:rPr lang="nb-NO" dirty="0" err="1"/>
+              <a:t>plugin</a:t>
+            </a:r>
+            <a:r>
+              <a:rPr lang="nb-NO" dirty="0"/>
+              <a:t> (demo)</a:t>
             </a:r>
           </a:p>
         </p:txBody>
@@ -3856,7 +4245,7 @@
           <p:cNvPr id="3" name="Plassholder for innhold 2">
             <a:extLst>
               <a:ext uri="{FF2B5EF4-FFF2-40B4-BE49-F238E27FC236}">
-                <a16:creationId xmlns:a16="http://schemas.microsoft.com/office/drawing/2014/main" id="{F8A105F1-F7D5-480A-97FE-EEAAA6F59513}"/>
+                <a16:creationId xmlns:a16="http://schemas.microsoft.com/office/drawing/2014/main" id="{FE35B4FB-C764-4967-849E-F8607637D548}"/>
               </a:ext>
             </a:extLst>
           </p:cNvPr>
@@ -3871,38 +4260,6 @@
         <p:txBody>
           <a:bodyPr/>
           <a:lstStyle/>
-          <a:p>
-            <a:r>
-              <a:rPr lang="nb-NO" dirty="0" err="1"/>
-              <a:t>Install</a:t>
-            </a:r>
-            <a:r>
-              <a:rPr lang="nb-NO" dirty="0"/>
-              <a:t> app</a:t>
-            </a:r>
-          </a:p>
-          <a:p>
-            <a:r>
-              <a:rPr lang="nb-NO" dirty="0"/>
-              <a:t>Connect to </a:t>
-            </a:r>
-            <a:r>
-              <a:rPr lang="nb-NO" dirty="0" err="1"/>
-              <a:t>user</a:t>
-            </a:r>
-            <a:endParaRPr lang="nb-NO" dirty="0"/>
-          </a:p>
-          <a:p>
-            <a:r>
-              <a:rPr lang="nb-NO" dirty="0"/>
-              <a:t>Connect to </a:t>
-            </a:r>
-            <a:r>
-              <a:rPr lang="nb-NO" dirty="0" err="1"/>
-              <a:t>repo</a:t>
-            </a:r>
-            <a:endParaRPr lang="nb-NO" dirty="0"/>
-          </a:p>
           <a:p>
             <a:r>
               <a:rPr lang="nb-NO" dirty="0" err="1"/>
@@ -3910,23 +4267,15 @@
             </a:r>
             <a:r>
               <a:rPr lang="nb-NO" dirty="0"/>
-              <a:t> </a:t>
-            </a:r>
-            <a:r>
-              <a:rPr lang="nb-NO" dirty="0" err="1"/>
-              <a:t>repo</a:t>
-            </a:r>
-            <a:endParaRPr lang="nb-NO" dirty="0"/>
-          </a:p>
-          <a:p>
-            <a:endParaRPr lang="nb-NO" dirty="0"/>
+              <a:t> file</a:t>
+            </a:r>
           </a:p>
         </p:txBody>
       </p:sp>
     </p:spTree>
     <p:extLst>
       <p:ext uri="{BB962C8B-B14F-4D97-AF65-F5344CB8AC3E}">
-        <p14:creationId xmlns:p14="http://schemas.microsoft.com/office/powerpoint/2010/main" val="944785966"/>
+        <p14:creationId xmlns:p14="http://schemas.microsoft.com/office/powerpoint/2010/main" val="1453356749"/>
       </p:ext>
     </p:extLst>
   </p:cSld>
@@ -3936,7 +4285,7 @@
 </p:sld>
 </file>
 
-<file path=ppt/slides/slide6.xml><?xml version="1.0" encoding="utf-8"?>
+<file path=ppt/slides/slide14.xml><?xml version="1.0" encoding="utf-8"?>
 <p:sld xmlns:a="http://schemas.openxmlformats.org/drawingml/2006/main" xmlns:r="http://schemas.openxmlformats.org/officeDocument/2006/relationships" xmlns:p="http://schemas.openxmlformats.org/presentationml/2006/main">
   <p:cSld>
     <p:spTree>
@@ -4006,7 +4355,52 @@
           <a:bodyPr/>
           <a:lstStyle/>
           <a:p>
-            <a:endParaRPr lang="nb-NO"/>
+            <a:r>
+              <a:rPr lang="nb-NO" dirty="0" err="1"/>
+              <a:t>Add</a:t>
+            </a:r>
+            <a:r>
+              <a:rPr lang="nb-NO" dirty="0"/>
+              <a:t> </a:t>
+            </a:r>
+            <a:r>
+              <a:rPr lang="nb-NO" dirty="0" err="1"/>
+              <a:t>user</a:t>
+            </a:r>
+            <a:r>
+              <a:rPr lang="nb-NO" dirty="0"/>
+              <a:t> to </a:t>
+            </a:r>
+            <a:r>
+              <a:rPr lang="nb-NO" dirty="0" err="1"/>
+              <a:t>account</a:t>
+            </a:r>
+            <a:endParaRPr lang="nb-NO" dirty="0"/>
+          </a:p>
+          <a:p>
+            <a:r>
+              <a:rPr lang="nb-NO" dirty="0" err="1"/>
+              <a:t>Clone</a:t>
+            </a:r>
+            <a:r>
+              <a:rPr lang="nb-NO" dirty="0"/>
+              <a:t> </a:t>
+            </a:r>
+            <a:r>
+              <a:rPr lang="nb-NO" dirty="0" err="1"/>
+              <a:t>repo</a:t>
+            </a:r>
+            <a:endParaRPr lang="nb-NO" dirty="0"/>
+          </a:p>
+          <a:p>
+            <a:r>
+              <a:rPr lang="nb-NO" dirty="0" err="1"/>
+              <a:t>Change</a:t>
+            </a:r>
+            <a:r>
+              <a:rPr lang="nb-NO" dirty="0"/>
+              <a:t> files</a:t>
+            </a:r>
           </a:p>
         </p:txBody>
       </p:sp>
@@ -4023,7 +4417,7 @@
 </p:sld>
 </file>
 
-<file path=ppt/slides/slide7.xml><?xml version="1.0" encoding="utf-8"?>
+<file path=ppt/slides/slide15.xml><?xml version="1.0" encoding="utf-8"?>
 <p:sld xmlns:a="http://schemas.openxmlformats.org/drawingml/2006/main" xmlns:r="http://schemas.openxmlformats.org/officeDocument/2006/relationships" xmlns:p="http://schemas.openxmlformats.org/presentationml/2006/main">
   <p:cSld>
     <p:spTree>
@@ -4045,7 +4439,7 @@
           <p:cNvPr id="2" name="Tittel 1">
             <a:extLst>
               <a:ext uri="{FF2B5EF4-FFF2-40B4-BE49-F238E27FC236}">
-                <a16:creationId xmlns:a16="http://schemas.microsoft.com/office/drawing/2014/main" id="{4557270B-9E0C-44BF-90B8-38FB309858BE}"/>
+                <a16:creationId xmlns:a16="http://schemas.microsoft.com/office/drawing/2014/main" id="{69286002-F797-4D12-A040-9F706089147C}"/>
               </a:ext>
             </a:extLst>
           </p:cNvPr>
@@ -4063,15 +4457,7 @@
           <a:p>
             <a:r>
               <a:rPr lang="nb-NO" dirty="0"/>
-              <a:t>VS Code </a:t>
-            </a:r>
-            <a:r>
-              <a:rPr lang="nb-NO" dirty="0" err="1"/>
-              <a:t>plugin</a:t>
-            </a:r>
-            <a:r>
-              <a:rPr lang="nb-NO" dirty="0"/>
-              <a:t> (demo)</a:t>
+              <a:t>Branch (demo)</a:t>
             </a:r>
           </a:p>
         </p:txBody>
@@ -4081,7 +4467,7 @@
           <p:cNvPr id="3" name="Plassholder for innhold 2">
             <a:extLst>
               <a:ext uri="{FF2B5EF4-FFF2-40B4-BE49-F238E27FC236}">
-                <a16:creationId xmlns:a16="http://schemas.microsoft.com/office/drawing/2014/main" id="{FE35B4FB-C764-4967-849E-F8607637D548}"/>
+                <a16:creationId xmlns:a16="http://schemas.microsoft.com/office/drawing/2014/main" id="{8A5728DF-1192-4C04-92F5-7628B9D6FA8B}"/>
               </a:ext>
             </a:extLst>
           </p:cNvPr>
@@ -4104,7 +4490,7 @@
     </p:spTree>
     <p:extLst>
       <p:ext uri="{BB962C8B-B14F-4D97-AF65-F5344CB8AC3E}">
-        <p14:creationId xmlns:p14="http://schemas.microsoft.com/office/powerpoint/2010/main" val="1453356749"/>
+        <p14:creationId xmlns:p14="http://schemas.microsoft.com/office/powerpoint/2010/main" val="2833571682"/>
       </p:ext>
     </p:extLst>
   </p:cSld>
@@ -4114,7 +4500,450 @@
 </p:sld>
 </file>
 
-<file path=ppt/slides/slide8.xml><?xml version="1.0" encoding="utf-8"?>
+<file path=ppt/slides/slide16.xml><?xml version="1.0" encoding="utf-8"?>
+<p:sld xmlns:a="http://schemas.openxmlformats.org/drawingml/2006/main" xmlns:r="http://schemas.openxmlformats.org/officeDocument/2006/relationships" xmlns:p="http://schemas.openxmlformats.org/presentationml/2006/main">
+  <p:cSld>
+    <p:spTree>
+      <p:nvGrpSpPr>
+        <p:cNvPr id="1" name=""/>
+        <p:cNvGrpSpPr/>
+        <p:nvPr/>
+      </p:nvGrpSpPr>
+      <p:grpSpPr>
+        <a:xfrm>
+          <a:off x="0" y="0"/>
+          <a:ext cx="0" cy="0"/>
+          <a:chOff x="0" y="0"/>
+          <a:chExt cx="0" cy="0"/>
+        </a:xfrm>
+      </p:grpSpPr>
+      <p:sp>
+        <p:nvSpPr>
+          <p:cNvPr id="2" name="Tittel 1">
+            <a:extLst>
+              <a:ext uri="{FF2B5EF4-FFF2-40B4-BE49-F238E27FC236}">
+                <a16:creationId xmlns:a16="http://schemas.microsoft.com/office/drawing/2014/main" id="{15C9A5BE-3A7C-4559-AC46-95674D54A869}"/>
+              </a:ext>
+            </a:extLst>
+          </p:cNvPr>
+          <p:cNvSpPr>
+            <a:spLocks noGrp="1"/>
+          </p:cNvSpPr>
+          <p:nvPr>
+            <p:ph type="title"/>
+          </p:nvPr>
+        </p:nvSpPr>
+        <p:spPr/>
+        <p:txBody>
+          <a:bodyPr/>
+          <a:lstStyle/>
+          <a:p>
+            <a:r>
+              <a:rPr lang="nb-NO" dirty="0" err="1"/>
+              <a:t>Use</a:t>
+            </a:r>
+            <a:r>
+              <a:rPr lang="nb-NO" dirty="0"/>
+              <a:t> case </a:t>
+            </a:r>
+          </a:p>
+        </p:txBody>
+      </p:sp>
+      <p:sp>
+        <p:nvSpPr>
+          <p:cNvPr id="3" name="Plassholder for innhold 2">
+            <a:extLst>
+              <a:ext uri="{FF2B5EF4-FFF2-40B4-BE49-F238E27FC236}">
+                <a16:creationId xmlns:a16="http://schemas.microsoft.com/office/drawing/2014/main" id="{56970EE9-5671-4939-8926-447F1F8153D9}"/>
+              </a:ext>
+            </a:extLst>
+          </p:cNvPr>
+          <p:cNvSpPr>
+            <a:spLocks noGrp="1"/>
+          </p:cNvSpPr>
+          <p:nvPr>
+            <p:ph idx="1"/>
+          </p:nvPr>
+        </p:nvSpPr>
+        <p:spPr/>
+        <p:txBody>
+          <a:bodyPr/>
+          <a:lstStyle/>
+          <a:p>
+            <a:r>
+              <a:rPr lang="nb-NO" dirty="0"/>
+              <a:t>TC19</a:t>
+            </a:r>
+          </a:p>
+        </p:txBody>
+      </p:sp>
+    </p:spTree>
+    <p:extLst>
+      <p:ext uri="{BB962C8B-B14F-4D97-AF65-F5344CB8AC3E}">
+        <p14:creationId xmlns:p14="http://schemas.microsoft.com/office/powerpoint/2010/main" val="1478135642"/>
+      </p:ext>
+    </p:extLst>
+  </p:cSld>
+  <p:clrMapOvr>
+    <a:masterClrMapping/>
+  </p:clrMapOvr>
+</p:sld>
+</file>
+
+<file path=ppt/slides/slide17.xml><?xml version="1.0" encoding="utf-8"?>
+<p:sld xmlns:a="http://schemas.openxmlformats.org/drawingml/2006/main" xmlns:r="http://schemas.openxmlformats.org/officeDocument/2006/relationships" xmlns:p="http://schemas.openxmlformats.org/presentationml/2006/main">
+  <p:cSld>
+    <p:spTree>
+      <p:nvGrpSpPr>
+        <p:cNvPr id="1" name=""/>
+        <p:cNvGrpSpPr/>
+        <p:nvPr/>
+      </p:nvGrpSpPr>
+      <p:grpSpPr>
+        <a:xfrm>
+          <a:off x="0" y="0"/>
+          <a:ext cx="0" cy="0"/>
+          <a:chOff x="0" y="0"/>
+          <a:chExt cx="0" cy="0"/>
+        </a:xfrm>
+      </p:grpSpPr>
+      <p:sp>
+        <p:nvSpPr>
+          <p:cNvPr id="2" name="Tittel 1">
+            <a:extLst>
+              <a:ext uri="{FF2B5EF4-FFF2-40B4-BE49-F238E27FC236}">
+                <a16:creationId xmlns:a16="http://schemas.microsoft.com/office/drawing/2014/main" id="{5D4B32A7-7E4F-4E6B-92F1-CE5A5D4CF011}"/>
+              </a:ext>
+            </a:extLst>
+          </p:cNvPr>
+          <p:cNvSpPr>
+            <a:spLocks noGrp="1"/>
+          </p:cNvSpPr>
+          <p:nvPr>
+            <p:ph type="title"/>
+          </p:nvPr>
+        </p:nvSpPr>
+        <p:spPr/>
+        <p:txBody>
+          <a:bodyPr/>
+          <a:lstStyle/>
+          <a:p>
+            <a:r>
+              <a:rPr lang="nb-NO" b="0" i="0" dirty="0">
+                <a:effectLst/>
+                <a:latin typeface="arial" panose="020B0604020202020204" pitchFamily="34" charset="0"/>
+              </a:rPr>
+              <a:t>Ressurser </a:t>
+            </a:r>
+            <a:r>
+              <a:rPr lang="nb-NO" dirty="0"/>
+              <a:t> </a:t>
+            </a:r>
+          </a:p>
+        </p:txBody>
+      </p:sp>
+      <p:sp>
+        <p:nvSpPr>
+          <p:cNvPr id="3" name="Plassholder for innhold 2">
+            <a:extLst>
+              <a:ext uri="{FF2B5EF4-FFF2-40B4-BE49-F238E27FC236}">
+                <a16:creationId xmlns:a16="http://schemas.microsoft.com/office/drawing/2014/main" id="{DFA5FDB9-19A7-4A9E-BDE8-121D644CEC38}"/>
+              </a:ext>
+            </a:extLst>
+          </p:cNvPr>
+          <p:cNvSpPr>
+            <a:spLocks noGrp="1"/>
+          </p:cNvSpPr>
+          <p:nvPr>
+            <p:ph idx="1"/>
+          </p:nvPr>
+        </p:nvSpPr>
+        <p:spPr/>
+        <p:txBody>
+          <a:bodyPr>
+            <a:normAutofit fontScale="62500" lnSpcReduction="20000"/>
+          </a:bodyPr>
+          <a:lstStyle/>
+          <a:p>
+            <a:r>
+              <a:rPr lang="nb-NO" dirty="0">
+                <a:hlinkClick r:id="rId2"/>
+              </a:rPr>
+              <a:t>https://medium.com/datadriveninvestor/why-git-f0a607f61a77</a:t>
+            </a:r>
+            <a:endParaRPr lang="nb-NO" dirty="0"/>
+          </a:p>
+          <a:p>
+            <a:pPr marL="0" indent="0">
+              <a:buNone/>
+            </a:pPr>
+            <a:endParaRPr lang="nb-NO" dirty="0"/>
+          </a:p>
+          <a:p>
+            <a:r>
+              <a:rPr lang="nb-NO" dirty="0">
+                <a:hlinkClick r:id="rId3"/>
+              </a:rPr>
+              <a:t>https://medium.com/edureka/git-vs-github-67c511d09d3e</a:t>
+            </a:r>
+            <a:endParaRPr lang="nb-NO" dirty="0"/>
+          </a:p>
+          <a:p>
+            <a:endParaRPr lang="nb-NO" dirty="0"/>
+          </a:p>
+          <a:p>
+            <a:r>
+              <a:rPr lang="nb-NO" dirty="0">
+                <a:hlinkClick r:id="rId4"/>
+              </a:rPr>
+              <a:t>https://www.youtube.com/watch?v=s8DCpG1PeaU</a:t>
+            </a:r>
+            <a:r>
+              <a:rPr lang="nb-NO" dirty="0"/>
+              <a:t> </a:t>
+            </a:r>
+          </a:p>
+          <a:p>
+            <a:endParaRPr lang="nb-NO" dirty="0"/>
+          </a:p>
+          <a:p>
+            <a:r>
+              <a:rPr lang="nb-NO" b="1" dirty="0">
+                <a:hlinkClick r:id="rId5"/>
+              </a:rPr>
+              <a:t>https://lab.github.com/</a:t>
+            </a:r>
+            <a:r>
+              <a:rPr lang="nb-NO" b="1" dirty="0"/>
+              <a:t> </a:t>
+            </a:r>
+          </a:p>
+          <a:p>
+            <a:pPr marL="0" indent="0">
+              <a:buNone/>
+            </a:pPr>
+            <a:endParaRPr lang="nb-NO" dirty="0"/>
+          </a:p>
+          <a:p>
+            <a:r>
+              <a:rPr lang="nb-NO" dirty="0">
+                <a:hlinkClick r:id="rId6"/>
+              </a:rPr>
+              <a:t>https://git-scm.com/book/en/v2/Git-on-the-Server-The-Protocols</a:t>
+            </a:r>
+            <a:endParaRPr lang="nb-NO" dirty="0"/>
+          </a:p>
+          <a:p>
+            <a:endParaRPr lang="nb-NO" dirty="0"/>
+          </a:p>
+          <a:p>
+            <a:r>
+              <a:rPr lang="nb-NO" dirty="0">
+                <a:hlinkClick r:id="rId7"/>
+              </a:rPr>
+              <a:t>https://www.atlassian.com/git/tutorials/what-is-git</a:t>
+            </a:r>
+            <a:r>
+              <a:rPr lang="nb-NO" dirty="0"/>
+              <a:t>  </a:t>
+            </a:r>
+          </a:p>
+          <a:p>
+            <a:endParaRPr lang="nb-NO" dirty="0"/>
+          </a:p>
+          <a:p>
+            <a:r>
+              <a:rPr lang="nb-NO" dirty="0">
+                <a:hlinkClick r:id="rId8"/>
+              </a:rPr>
+              <a:t>https://www.youtube.com/watch?v=LV-KRIS1AjQ</a:t>
+            </a:r>
+            <a:r>
+              <a:rPr lang="nb-NO" dirty="0"/>
+              <a:t> </a:t>
+            </a:r>
+          </a:p>
+          <a:p>
+            <a:endParaRPr lang="nb-NO" dirty="0"/>
+          </a:p>
+        </p:txBody>
+      </p:sp>
+    </p:spTree>
+    <p:extLst>
+      <p:ext uri="{BB962C8B-B14F-4D97-AF65-F5344CB8AC3E}">
+        <p14:creationId xmlns:p14="http://schemas.microsoft.com/office/powerpoint/2010/main" val="3770800640"/>
+      </p:ext>
+    </p:extLst>
+  </p:cSld>
+  <p:clrMapOvr>
+    <a:masterClrMapping/>
+  </p:clrMapOvr>
+</p:sld>
+</file>
+
+<file path=ppt/slides/slide18.xml><?xml version="1.0" encoding="utf-8"?>
+<p:sld xmlns:a="http://schemas.openxmlformats.org/drawingml/2006/main" xmlns:r="http://schemas.openxmlformats.org/officeDocument/2006/relationships" xmlns:p="http://schemas.openxmlformats.org/presentationml/2006/main">
+  <p:cSld>
+    <p:spTree>
+      <p:nvGrpSpPr>
+        <p:cNvPr id="1" name=""/>
+        <p:cNvGrpSpPr/>
+        <p:nvPr/>
+      </p:nvGrpSpPr>
+      <p:grpSpPr>
+        <a:xfrm>
+          <a:off x="0" y="0"/>
+          <a:ext cx="0" cy="0"/>
+          <a:chOff x="0" y="0"/>
+          <a:chExt cx="0" cy="0"/>
+        </a:xfrm>
+      </p:grpSpPr>
+      <p:sp>
+        <p:nvSpPr>
+          <p:cNvPr id="2" name="Tittel 1">
+            <a:extLst>
+              <a:ext uri="{FF2B5EF4-FFF2-40B4-BE49-F238E27FC236}">
+                <a16:creationId xmlns:a16="http://schemas.microsoft.com/office/drawing/2014/main" id="{3B91C78E-1A2F-404B-9921-D54DC49D6C21}"/>
+              </a:ext>
+            </a:extLst>
+          </p:cNvPr>
+          <p:cNvSpPr>
+            <a:spLocks noGrp="1"/>
+          </p:cNvSpPr>
+          <p:nvPr>
+            <p:ph type="title"/>
+          </p:nvPr>
+        </p:nvSpPr>
+        <p:spPr/>
+        <p:txBody>
+          <a:bodyPr/>
+          <a:lstStyle/>
+          <a:p>
+            <a:r>
+              <a:rPr lang="nb-NO" dirty="0"/>
+              <a:t>Kule Repos</a:t>
+            </a:r>
+          </a:p>
+        </p:txBody>
+      </p:sp>
+      <p:sp>
+        <p:nvSpPr>
+          <p:cNvPr id="3" name="Plassholder for innhold 2">
+            <a:extLst>
+              <a:ext uri="{FF2B5EF4-FFF2-40B4-BE49-F238E27FC236}">
+                <a16:creationId xmlns:a16="http://schemas.microsoft.com/office/drawing/2014/main" id="{F8AB7D89-1019-4AD2-AD04-2C7E1CA0604F}"/>
+              </a:ext>
+            </a:extLst>
+          </p:cNvPr>
+          <p:cNvSpPr>
+            <a:spLocks noGrp="1"/>
+          </p:cNvSpPr>
+          <p:nvPr>
+            <p:ph idx="1"/>
+          </p:nvPr>
+        </p:nvSpPr>
+        <p:spPr/>
+        <p:txBody>
+          <a:bodyPr/>
+          <a:lstStyle/>
+          <a:p>
+            <a:r>
+              <a:rPr lang="nb-NO" dirty="0">
+                <a:hlinkClick r:id="rId2"/>
+              </a:rPr>
+              <a:t>https://github.com/CiscoDevNet</a:t>
+            </a:r>
+            <a:endParaRPr lang="nb-NO" dirty="0"/>
+          </a:p>
+          <a:p>
+            <a:r>
+              <a:rPr lang="nb-NO" dirty="0">
+                <a:hlinkClick r:id="rId3"/>
+              </a:rPr>
+              <a:t>https://github.com/ansible/ansible</a:t>
+            </a:r>
+            <a:endParaRPr lang="nb-NO" dirty="0"/>
+          </a:p>
+          <a:p>
+            <a:r>
+              <a:rPr lang="nb-NO" dirty="0">
+                <a:hlinkClick r:id="rId4"/>
+              </a:rPr>
+              <a:t>https://github.com/Exa-Networks/exabgp/</a:t>
+            </a:r>
+            <a:r>
+              <a:rPr lang="nb-NO" dirty="0"/>
+              <a:t> </a:t>
+            </a:r>
+          </a:p>
+          <a:p>
+            <a:r>
+              <a:rPr lang="nb-NO" dirty="0"/>
+              <a:t> </a:t>
+            </a:r>
+            <a:r>
+              <a:rPr lang="nb-NO" dirty="0">
+                <a:hlinkClick r:id="rId5"/>
+              </a:rPr>
+              <a:t>https://github.com/docker</a:t>
+            </a:r>
+            <a:r>
+              <a:rPr lang="nb-NO" dirty="0"/>
+              <a:t> </a:t>
+            </a:r>
+          </a:p>
+          <a:p>
+            <a:r>
+              <a:rPr lang="nb-NO" dirty="0">
+                <a:hlinkClick r:id="rId6"/>
+              </a:rPr>
+              <a:t>https://github.com/microsoft</a:t>
+            </a:r>
+            <a:r>
+              <a:rPr lang="nb-NO" dirty="0"/>
+              <a:t> </a:t>
+            </a:r>
+          </a:p>
+          <a:p>
+            <a:r>
+              <a:rPr lang="nb-NO" dirty="0">
+                <a:hlinkClick r:id="rId7"/>
+              </a:rPr>
+              <a:t>https://github.com/DataKnox/</a:t>
+            </a:r>
+            <a:r>
+              <a:rPr lang="nb-NO" dirty="0"/>
+              <a:t> </a:t>
+            </a:r>
+          </a:p>
+          <a:p>
+            <a:r>
+              <a:rPr lang="nb-NO" dirty="0">
+                <a:hlinkClick r:id="rId8"/>
+              </a:rPr>
+              <a:t>https://github.com/hpreston</a:t>
+            </a:r>
+            <a:r>
+              <a:rPr lang="nb-NO" dirty="0"/>
+              <a:t> </a:t>
+            </a:r>
+          </a:p>
+        </p:txBody>
+      </p:sp>
+    </p:spTree>
+    <p:extLst>
+      <p:ext uri="{BB962C8B-B14F-4D97-AF65-F5344CB8AC3E}">
+        <p14:creationId xmlns:p14="http://schemas.microsoft.com/office/powerpoint/2010/main" val="834510257"/>
+      </p:ext>
+    </p:extLst>
+  </p:cSld>
+  <p:clrMapOvr>
+    <a:masterClrMapping/>
+  </p:clrMapOvr>
+</p:sld>
+</file>
+
+<file path=ppt/slides/slide2.xml><?xml version="1.0" encoding="utf-8"?>
 <p:sld xmlns:a="http://schemas.openxmlformats.org/drawingml/2006/main" xmlns:r="http://schemas.openxmlformats.org/officeDocument/2006/relationships" xmlns:p="http://schemas.openxmlformats.org/presentationml/2006/main">
   <p:cSld>
     <p:spTree>
@@ -4160,7 +4989,7 @@
         </p:blipFill>
         <p:spPr bwMode="auto">
           <a:xfrm>
-            <a:off x="3172724" y="2210968"/>
+            <a:off x="2817124" y="2210968"/>
             <a:ext cx="5846552" cy="2436064"/>
           </a:xfrm>
           <a:prstGeom prst="rect">
@@ -4191,6 +5020,1021 @@
 </p:sld>
 </file>
 
+<file path=ppt/slides/slide3.xml><?xml version="1.0" encoding="utf-8"?>
+<p:sld xmlns:a="http://schemas.openxmlformats.org/drawingml/2006/main" xmlns:r="http://schemas.openxmlformats.org/officeDocument/2006/relationships" xmlns:p="http://schemas.openxmlformats.org/presentationml/2006/main">
+  <p:cSld>
+    <p:spTree>
+      <p:nvGrpSpPr>
+        <p:cNvPr id="1" name=""/>
+        <p:cNvGrpSpPr/>
+        <p:nvPr/>
+      </p:nvGrpSpPr>
+      <p:grpSpPr>
+        <a:xfrm>
+          <a:off x="0" y="0"/>
+          <a:ext cx="0" cy="0"/>
+          <a:chOff x="0" y="0"/>
+          <a:chExt cx="0" cy="0"/>
+        </a:xfrm>
+      </p:grpSpPr>
+      <p:pic>
+        <p:nvPicPr>
+          <p:cNvPr id="4" name="Bilde 3">
+            <a:extLst>
+              <a:ext uri="{FF2B5EF4-FFF2-40B4-BE49-F238E27FC236}">
+                <a16:creationId xmlns:a16="http://schemas.microsoft.com/office/drawing/2014/main" id="{2760AFA0-500C-4FC2-BDE9-919D9596B380}"/>
+              </a:ext>
+            </a:extLst>
+          </p:cNvPr>
+          <p:cNvPicPr>
+            <a:picLocks noChangeAspect="1"/>
+          </p:cNvPicPr>
+          <p:nvPr/>
+        </p:nvPicPr>
+        <p:blipFill>
+          <a:blip r:embed="rId2"/>
+          <a:stretch>
+            <a:fillRect/>
+          </a:stretch>
+        </p:blipFill>
+        <p:spPr>
+          <a:xfrm>
+            <a:off x="130630" y="357883"/>
+            <a:ext cx="11456126" cy="6142233"/>
+          </a:xfrm>
+          <a:prstGeom prst="rect">
+            <a:avLst/>
+          </a:prstGeom>
+        </p:spPr>
+      </p:pic>
+    </p:spTree>
+    <p:extLst>
+      <p:ext uri="{BB962C8B-B14F-4D97-AF65-F5344CB8AC3E}">
+        <p14:creationId xmlns:p14="http://schemas.microsoft.com/office/powerpoint/2010/main" val="2797283760"/>
+      </p:ext>
+    </p:extLst>
+  </p:cSld>
+  <p:clrMapOvr>
+    <a:masterClrMapping/>
+  </p:clrMapOvr>
+</p:sld>
+</file>
+
+<file path=ppt/slides/slide4.xml><?xml version="1.0" encoding="utf-8"?>
+<p:sld xmlns:a="http://schemas.openxmlformats.org/drawingml/2006/main" xmlns:r="http://schemas.openxmlformats.org/officeDocument/2006/relationships" xmlns:p="http://schemas.openxmlformats.org/presentationml/2006/main">
+  <p:cSld>
+    <p:spTree>
+      <p:nvGrpSpPr>
+        <p:cNvPr id="1" name=""/>
+        <p:cNvGrpSpPr/>
+        <p:nvPr/>
+      </p:nvGrpSpPr>
+      <p:grpSpPr>
+        <a:xfrm>
+          <a:off x="0" y="0"/>
+          <a:ext cx="0" cy="0"/>
+          <a:chOff x="0" y="0"/>
+          <a:chExt cx="0" cy="0"/>
+        </a:xfrm>
+      </p:grpSpPr>
+      <p:sp>
+        <p:nvSpPr>
+          <p:cNvPr id="2" name="Tittel 1">
+            <a:extLst>
+              <a:ext uri="{FF2B5EF4-FFF2-40B4-BE49-F238E27FC236}">
+                <a16:creationId xmlns:a16="http://schemas.microsoft.com/office/drawing/2014/main" id="{2ED7C543-2C39-4CEC-80D8-A86CC2E63C40}"/>
+              </a:ext>
+            </a:extLst>
+          </p:cNvPr>
+          <p:cNvSpPr>
+            <a:spLocks noGrp="1"/>
+          </p:cNvSpPr>
+          <p:nvPr>
+            <p:ph type="title"/>
+          </p:nvPr>
+        </p:nvSpPr>
+        <p:spPr/>
+        <p:txBody>
+          <a:bodyPr/>
+          <a:lstStyle/>
+          <a:p>
+            <a:r>
+              <a:rPr lang="nb-NO" dirty="0" err="1"/>
+              <a:t>Why</a:t>
+            </a:r>
+            <a:r>
+              <a:rPr lang="nb-NO" dirty="0"/>
+              <a:t> </a:t>
+            </a:r>
+            <a:r>
+              <a:rPr lang="nb-NO" dirty="0" err="1"/>
+              <a:t>git</a:t>
+            </a:r>
+            <a:endParaRPr lang="nb-NO" dirty="0"/>
+          </a:p>
+        </p:txBody>
+      </p:sp>
+      <p:sp>
+        <p:nvSpPr>
+          <p:cNvPr id="3" name="Plassholder for innhold 2">
+            <a:extLst>
+              <a:ext uri="{FF2B5EF4-FFF2-40B4-BE49-F238E27FC236}">
+                <a16:creationId xmlns:a16="http://schemas.microsoft.com/office/drawing/2014/main" id="{A41FAD49-B994-462A-BF79-1EE42969D369}"/>
+              </a:ext>
+            </a:extLst>
+          </p:cNvPr>
+          <p:cNvSpPr>
+            <a:spLocks noGrp="1"/>
+          </p:cNvSpPr>
+          <p:nvPr>
+            <p:ph idx="1"/>
+          </p:nvPr>
+        </p:nvSpPr>
+        <p:spPr/>
+        <p:txBody>
+          <a:bodyPr/>
+          <a:lstStyle/>
+          <a:p>
+            <a:r>
+              <a:rPr lang="nb-NO" dirty="0"/>
+              <a:t>Version </a:t>
+            </a:r>
+            <a:r>
+              <a:rPr lang="nb-NO" dirty="0" err="1"/>
+              <a:t>control</a:t>
+            </a:r>
+            <a:r>
+              <a:rPr lang="nb-NO" dirty="0"/>
+              <a:t> system(</a:t>
+            </a:r>
+            <a:r>
+              <a:rPr lang="nb-NO" dirty="0" err="1"/>
+              <a:t>vcs</a:t>
+            </a:r>
+            <a:r>
+              <a:rPr lang="nb-NO" dirty="0"/>
+              <a:t>)</a:t>
+            </a:r>
+          </a:p>
+          <a:p>
+            <a:r>
+              <a:rPr lang="nb-NO" dirty="0"/>
+              <a:t>Alle utviklere har tilgang til all kode</a:t>
+            </a:r>
+          </a:p>
+          <a:p>
+            <a:r>
+              <a:rPr lang="nb-NO" dirty="0"/>
+              <a:t> </a:t>
+            </a:r>
+            <a:r>
+              <a:rPr lang="nb-NO" dirty="0" err="1"/>
+              <a:t>Track</a:t>
+            </a:r>
+            <a:r>
+              <a:rPr lang="nb-NO" dirty="0"/>
+              <a:t> </a:t>
+            </a:r>
+            <a:r>
+              <a:rPr lang="nb-NO" dirty="0" err="1"/>
+              <a:t>history</a:t>
+            </a:r>
+            <a:endParaRPr lang="nb-NO" dirty="0"/>
+          </a:p>
+          <a:p>
+            <a:r>
+              <a:rPr lang="nb-NO" dirty="0"/>
+              <a:t>Non-Linear</a:t>
+            </a:r>
+          </a:p>
+          <a:p>
+            <a:r>
+              <a:rPr lang="nb-NO" dirty="0"/>
+              <a:t>Open Source</a:t>
+            </a:r>
+          </a:p>
+          <a:p>
+            <a:r>
+              <a:rPr lang="nb-NO" dirty="0" err="1"/>
+              <a:t>Scaleable</a:t>
+            </a:r>
+            <a:endParaRPr lang="nb-NO" dirty="0"/>
+          </a:p>
+          <a:p>
+            <a:endParaRPr lang="nb-NO" dirty="0"/>
+          </a:p>
+          <a:p>
+            <a:endParaRPr lang="nb-NO" dirty="0"/>
+          </a:p>
+        </p:txBody>
+      </p:sp>
+    </p:spTree>
+    <p:extLst>
+      <p:ext uri="{BB962C8B-B14F-4D97-AF65-F5344CB8AC3E}">
+        <p14:creationId xmlns:p14="http://schemas.microsoft.com/office/powerpoint/2010/main" val="3246173786"/>
+      </p:ext>
+    </p:extLst>
+  </p:cSld>
+  <p:clrMapOvr>
+    <a:masterClrMapping/>
+  </p:clrMapOvr>
+</p:sld>
+</file>
+
+<file path=ppt/slides/slide5.xml><?xml version="1.0" encoding="utf-8"?>
+<p:sld xmlns:a="http://schemas.openxmlformats.org/drawingml/2006/main" xmlns:r="http://schemas.openxmlformats.org/officeDocument/2006/relationships" xmlns:p="http://schemas.openxmlformats.org/presentationml/2006/main">
+  <p:cSld>
+    <p:spTree>
+      <p:nvGrpSpPr>
+        <p:cNvPr id="1" name=""/>
+        <p:cNvGrpSpPr/>
+        <p:nvPr/>
+      </p:nvGrpSpPr>
+      <p:grpSpPr>
+        <a:xfrm>
+          <a:off x="0" y="0"/>
+          <a:ext cx="0" cy="0"/>
+          <a:chOff x="0" y="0"/>
+          <a:chExt cx="0" cy="0"/>
+        </a:xfrm>
+      </p:grpSpPr>
+      <p:sp>
+        <p:nvSpPr>
+          <p:cNvPr id="2" name="Tittel 1">
+            <a:extLst>
+              <a:ext uri="{FF2B5EF4-FFF2-40B4-BE49-F238E27FC236}">
+                <a16:creationId xmlns:a16="http://schemas.microsoft.com/office/drawing/2014/main" id="{454870A0-C760-48E8-B45A-54269A25D645}"/>
+              </a:ext>
+            </a:extLst>
+          </p:cNvPr>
+          <p:cNvSpPr>
+            <a:spLocks noGrp="1"/>
+          </p:cNvSpPr>
+          <p:nvPr>
+            <p:ph type="title"/>
+          </p:nvPr>
+        </p:nvSpPr>
+        <p:spPr/>
+        <p:txBody>
+          <a:bodyPr/>
+          <a:lstStyle/>
+          <a:p>
+            <a:r>
+              <a:rPr lang="nb-NO" dirty="0"/>
+              <a:t>How dose </a:t>
+            </a:r>
+            <a:r>
+              <a:rPr lang="nb-NO" dirty="0" err="1"/>
+              <a:t>the</a:t>
+            </a:r>
+            <a:r>
+              <a:rPr lang="nb-NO" dirty="0"/>
+              <a:t> </a:t>
+            </a:r>
+            <a:r>
+              <a:rPr lang="nb-NO" dirty="0" err="1"/>
+              <a:t>bloody</a:t>
+            </a:r>
+            <a:r>
+              <a:rPr lang="nb-NO" dirty="0"/>
+              <a:t> </a:t>
+            </a:r>
+            <a:r>
+              <a:rPr lang="nb-NO" dirty="0" err="1"/>
+              <a:t>thing</a:t>
+            </a:r>
+            <a:r>
+              <a:rPr lang="nb-NO" dirty="0"/>
+              <a:t> </a:t>
+            </a:r>
+            <a:r>
+              <a:rPr lang="nb-NO" dirty="0" err="1"/>
+              <a:t>work</a:t>
+            </a:r>
+            <a:endParaRPr lang="nb-NO" dirty="0"/>
+          </a:p>
+        </p:txBody>
+      </p:sp>
+    </p:spTree>
+    <p:extLst>
+      <p:ext uri="{BB962C8B-B14F-4D97-AF65-F5344CB8AC3E}">
+        <p14:creationId xmlns:p14="http://schemas.microsoft.com/office/powerpoint/2010/main" val="526495768"/>
+      </p:ext>
+    </p:extLst>
+  </p:cSld>
+  <p:clrMapOvr>
+    <a:masterClrMapping/>
+  </p:clrMapOvr>
+</p:sld>
+</file>
+
+<file path=ppt/slides/slide6.xml><?xml version="1.0" encoding="utf-8"?>
+<p:sld xmlns:a="http://schemas.openxmlformats.org/drawingml/2006/main" xmlns:r="http://schemas.openxmlformats.org/officeDocument/2006/relationships" xmlns:p="http://schemas.openxmlformats.org/presentationml/2006/main">
+  <p:cSld>
+    <p:spTree>
+      <p:nvGrpSpPr>
+        <p:cNvPr id="1" name=""/>
+        <p:cNvGrpSpPr/>
+        <p:nvPr/>
+      </p:nvGrpSpPr>
+      <p:grpSpPr>
+        <a:xfrm>
+          <a:off x="0" y="0"/>
+          <a:ext cx="0" cy="0"/>
+          <a:chOff x="0" y="0"/>
+          <a:chExt cx="0" cy="0"/>
+        </a:xfrm>
+      </p:grpSpPr>
+      <p:pic>
+        <p:nvPicPr>
+          <p:cNvPr id="5" name="Bilde 4">
+            <a:extLst>
+              <a:ext uri="{FF2B5EF4-FFF2-40B4-BE49-F238E27FC236}">
+                <a16:creationId xmlns:a16="http://schemas.microsoft.com/office/drawing/2014/main" id="{DAD133F0-8059-4234-9D04-7DD39401D1AC}"/>
+              </a:ext>
+            </a:extLst>
+          </p:cNvPr>
+          <p:cNvPicPr>
+            <a:picLocks noChangeAspect="1"/>
+          </p:cNvPicPr>
+          <p:nvPr/>
+        </p:nvPicPr>
+        <p:blipFill>
+          <a:blip r:embed="rId2"/>
+          <a:stretch>
+            <a:fillRect/>
+          </a:stretch>
+        </p:blipFill>
+        <p:spPr>
+          <a:xfrm>
+            <a:off x="985661" y="890353"/>
+            <a:ext cx="9881044" cy="5327568"/>
+          </a:xfrm>
+          <a:prstGeom prst="rect">
+            <a:avLst/>
+          </a:prstGeom>
+        </p:spPr>
+      </p:pic>
+    </p:spTree>
+    <p:extLst>
+      <p:ext uri="{BB962C8B-B14F-4D97-AF65-F5344CB8AC3E}">
+        <p14:creationId xmlns:p14="http://schemas.microsoft.com/office/powerpoint/2010/main" val="339266346"/>
+      </p:ext>
+    </p:extLst>
+  </p:cSld>
+  <p:clrMapOvr>
+    <a:masterClrMapping/>
+  </p:clrMapOvr>
+</p:sld>
+</file>
+
+<file path=ppt/slides/slide7.xml><?xml version="1.0" encoding="utf-8"?>
+<p:sld xmlns:a="http://schemas.openxmlformats.org/drawingml/2006/main" xmlns:r="http://schemas.openxmlformats.org/officeDocument/2006/relationships" xmlns:p="http://schemas.openxmlformats.org/presentationml/2006/main">
+  <p:cSld>
+    <p:spTree>
+      <p:nvGrpSpPr>
+        <p:cNvPr id="1" name=""/>
+        <p:cNvGrpSpPr/>
+        <p:nvPr/>
+      </p:nvGrpSpPr>
+      <p:grpSpPr>
+        <a:xfrm>
+          <a:off x="0" y="0"/>
+          <a:ext cx="0" cy="0"/>
+          <a:chOff x="0" y="0"/>
+          <a:chExt cx="0" cy="0"/>
+        </a:xfrm>
+      </p:grpSpPr>
+      <p:pic>
+        <p:nvPicPr>
+          <p:cNvPr id="1026" name="Picture 2" descr="Image for post">
+            <a:extLst>
+              <a:ext uri="{FF2B5EF4-FFF2-40B4-BE49-F238E27FC236}">
+                <a16:creationId xmlns:a16="http://schemas.microsoft.com/office/drawing/2014/main" id="{62064D8F-D290-440B-871D-259B4691BD97}"/>
+              </a:ext>
+            </a:extLst>
+          </p:cNvPr>
+          <p:cNvPicPr>
+            <a:picLocks noChangeAspect="1" noChangeArrowheads="1"/>
+          </p:cNvPicPr>
+          <p:nvPr/>
+        </p:nvPicPr>
+        <p:blipFill>
+          <a:blip r:embed="rId2">
+            <a:extLst>
+              <a:ext uri="{28A0092B-C50C-407E-A947-70E740481C1C}">
+                <a14:useLocalDpi xmlns:a14="http://schemas.microsoft.com/office/drawing/2010/main" val="0"/>
+              </a:ext>
+            </a:extLst>
+          </a:blip>
+          <a:srcRect/>
+          <a:stretch>
+            <a:fillRect/>
+          </a:stretch>
+        </p:blipFill>
+        <p:spPr bwMode="auto">
+          <a:xfrm>
+            <a:off x="2508069" y="136791"/>
+            <a:ext cx="6558507" cy="6584417"/>
+          </a:xfrm>
+          <a:prstGeom prst="rect">
+            <a:avLst/>
+          </a:prstGeom>
+          <a:noFill/>
+          <a:extLst>
+            <a:ext uri="{909E8E84-426E-40DD-AFC4-6F175D3DCCD1}">
+              <a14:hiddenFill xmlns:a14="http://schemas.microsoft.com/office/drawing/2010/main">
+                <a:solidFill>
+                  <a:srgbClr val="FFFFFF"/>
+                </a:solidFill>
+              </a14:hiddenFill>
+            </a:ext>
+          </a:extLst>
+        </p:spPr>
+      </p:pic>
+    </p:spTree>
+    <p:extLst>
+      <p:ext uri="{BB962C8B-B14F-4D97-AF65-F5344CB8AC3E}">
+        <p14:creationId xmlns:p14="http://schemas.microsoft.com/office/powerpoint/2010/main" val="1868780476"/>
+      </p:ext>
+    </p:extLst>
+  </p:cSld>
+  <p:clrMapOvr>
+    <a:masterClrMapping/>
+  </p:clrMapOvr>
+</p:sld>
+</file>
+
+<file path=ppt/slides/slide8.xml><?xml version="1.0" encoding="utf-8"?>
+<p:sld xmlns:a="http://schemas.openxmlformats.org/drawingml/2006/main" xmlns:r="http://schemas.openxmlformats.org/officeDocument/2006/relationships" xmlns:p="http://schemas.openxmlformats.org/presentationml/2006/main">
+  <p:cSld>
+    <p:spTree>
+      <p:nvGrpSpPr>
+        <p:cNvPr id="1" name=""/>
+        <p:cNvGrpSpPr/>
+        <p:nvPr/>
+      </p:nvGrpSpPr>
+      <p:grpSpPr>
+        <a:xfrm>
+          <a:off x="0" y="0"/>
+          <a:ext cx="0" cy="0"/>
+          <a:chOff x="0" y="0"/>
+          <a:chExt cx="0" cy="0"/>
+        </a:xfrm>
+      </p:grpSpPr>
+      <p:sp>
+        <p:nvSpPr>
+          <p:cNvPr id="2" name="Tittel 1">
+            <a:extLst>
+              <a:ext uri="{FF2B5EF4-FFF2-40B4-BE49-F238E27FC236}">
+                <a16:creationId xmlns:a16="http://schemas.microsoft.com/office/drawing/2014/main" id="{BA5B0820-60F4-4E24-9333-EA3AD7DC66FC}"/>
+              </a:ext>
+            </a:extLst>
+          </p:cNvPr>
+          <p:cNvSpPr>
+            <a:spLocks noGrp="1"/>
+          </p:cNvSpPr>
+          <p:nvPr>
+            <p:ph type="title"/>
+          </p:nvPr>
+        </p:nvSpPr>
+        <p:spPr/>
+        <p:txBody>
+          <a:bodyPr/>
+          <a:lstStyle/>
+          <a:p>
+            <a:r>
+              <a:rPr lang="nb-NO" dirty="0"/>
+              <a:t>Connect </a:t>
+            </a:r>
+            <a:r>
+              <a:rPr lang="nb-NO" dirty="0" err="1"/>
+              <a:t>git</a:t>
+            </a:r>
+            <a:r>
+              <a:rPr lang="nb-NO" dirty="0"/>
+              <a:t> </a:t>
+            </a:r>
+            <a:r>
+              <a:rPr lang="nb-NO" dirty="0" err="1"/>
+              <a:t>client</a:t>
+            </a:r>
+            <a:r>
+              <a:rPr lang="nb-NO" dirty="0"/>
+              <a:t> to </a:t>
+            </a:r>
+            <a:r>
+              <a:rPr lang="nb-NO" dirty="0" err="1"/>
+              <a:t>github</a:t>
+            </a:r>
+            <a:endParaRPr lang="nb-NO" dirty="0"/>
+          </a:p>
+        </p:txBody>
+      </p:sp>
+      <p:sp>
+        <p:nvSpPr>
+          <p:cNvPr id="3" name="Plassholder for innhold 2">
+            <a:extLst>
+              <a:ext uri="{FF2B5EF4-FFF2-40B4-BE49-F238E27FC236}">
+                <a16:creationId xmlns:a16="http://schemas.microsoft.com/office/drawing/2014/main" id="{87B0B248-4E49-480F-9090-D3B382A5AB38}"/>
+              </a:ext>
+            </a:extLst>
+          </p:cNvPr>
+          <p:cNvSpPr>
+            <a:spLocks noGrp="1"/>
+          </p:cNvSpPr>
+          <p:nvPr>
+            <p:ph idx="1"/>
+          </p:nvPr>
+        </p:nvSpPr>
+        <p:spPr/>
+        <p:txBody>
+          <a:bodyPr/>
+          <a:lstStyle/>
+          <a:p>
+            <a:pPr marL="0" indent="0">
+              <a:buNone/>
+            </a:pPr>
+            <a:endParaRPr lang="nb-NO" dirty="0"/>
+          </a:p>
+          <a:p>
+            <a:pPr marL="0" marR="0" indent="0">
+              <a:spcBef>
+                <a:spcPts val="0"/>
+              </a:spcBef>
+              <a:spcAft>
+                <a:spcPts val="0"/>
+              </a:spcAft>
+              <a:buNone/>
+            </a:pPr>
+            <a:r>
+              <a:rPr lang="nb-NO" sz="1800" dirty="0" err="1">
+                <a:effectLst/>
+                <a:latin typeface="Calibri" panose="020F0502020204030204" pitchFamily="34" charset="0"/>
+              </a:rPr>
+              <a:t>git</a:t>
+            </a:r>
+            <a:r>
+              <a:rPr lang="nb-NO" sz="1800" dirty="0">
+                <a:effectLst/>
+                <a:latin typeface="Calibri" panose="020F0502020204030204" pitchFamily="34" charset="0"/>
+              </a:rPr>
+              <a:t> </a:t>
+            </a:r>
+            <a:r>
+              <a:rPr lang="nb-NO" sz="1800" dirty="0" err="1">
+                <a:effectLst/>
+                <a:latin typeface="Calibri" panose="020F0502020204030204" pitchFamily="34" charset="0"/>
+              </a:rPr>
+              <a:t>config</a:t>
+            </a:r>
+            <a:r>
+              <a:rPr lang="nb-NO" sz="1800" dirty="0">
+                <a:effectLst/>
+                <a:latin typeface="Calibri" panose="020F0502020204030204" pitchFamily="34" charset="0"/>
+              </a:rPr>
+              <a:t> --global user.name "&lt;</a:t>
+            </a:r>
+            <a:r>
+              <a:rPr lang="nb-NO" sz="1800" dirty="0" err="1">
+                <a:effectLst/>
+                <a:latin typeface="Calibri" panose="020F0502020204030204" pitchFamily="34" charset="0"/>
+              </a:rPr>
+              <a:t>YourUsername</a:t>
+            </a:r>
+            <a:r>
+              <a:rPr lang="nb-NO" sz="1800" dirty="0">
+                <a:effectLst/>
+                <a:latin typeface="Calibri" panose="020F0502020204030204" pitchFamily="34" charset="0"/>
+              </a:rPr>
+              <a:t>&gt;"            </a:t>
+            </a:r>
+          </a:p>
+          <a:p>
+            <a:pPr marL="0" marR="0" indent="0">
+              <a:spcBef>
+                <a:spcPts val="0"/>
+              </a:spcBef>
+              <a:spcAft>
+                <a:spcPts val="0"/>
+              </a:spcAft>
+              <a:buNone/>
+            </a:pPr>
+            <a:r>
+              <a:rPr lang="nb-NO" sz="1800" dirty="0" err="1">
+                <a:effectLst/>
+                <a:latin typeface="Calibri" panose="020F0502020204030204" pitchFamily="34" charset="0"/>
+              </a:rPr>
+              <a:t>git</a:t>
+            </a:r>
+            <a:r>
+              <a:rPr lang="nb-NO" sz="1800" dirty="0">
+                <a:effectLst/>
+                <a:latin typeface="Calibri" panose="020F0502020204030204" pitchFamily="34" charset="0"/>
+              </a:rPr>
+              <a:t> </a:t>
+            </a:r>
+            <a:r>
+              <a:rPr lang="nb-NO" sz="1800" dirty="0" err="1">
+                <a:effectLst/>
+                <a:latin typeface="Calibri" panose="020F0502020204030204" pitchFamily="34" charset="0"/>
+              </a:rPr>
+              <a:t>config</a:t>
+            </a:r>
+            <a:r>
+              <a:rPr lang="nb-NO" sz="1800" dirty="0">
+                <a:effectLst/>
+                <a:latin typeface="Calibri" panose="020F0502020204030204" pitchFamily="34" charset="0"/>
+              </a:rPr>
+              <a:t> --global </a:t>
+            </a:r>
+            <a:r>
+              <a:rPr lang="nb-NO" sz="1800" dirty="0" err="1">
+                <a:effectLst/>
+                <a:latin typeface="Calibri" panose="020F0502020204030204" pitchFamily="34" charset="0"/>
+              </a:rPr>
+              <a:t>user.email</a:t>
+            </a:r>
+            <a:r>
+              <a:rPr lang="nb-NO" sz="1800" dirty="0">
+                <a:effectLst/>
+                <a:latin typeface="Calibri" panose="020F0502020204030204" pitchFamily="34" charset="0"/>
+              </a:rPr>
+              <a:t> &lt;</a:t>
+            </a:r>
+            <a:r>
+              <a:rPr lang="nb-NO" sz="1800" dirty="0" err="1">
+                <a:effectLst/>
+                <a:latin typeface="Calibri" panose="020F0502020204030204" pitchFamily="34" charset="0"/>
+              </a:rPr>
+              <a:t>YourEmail</a:t>
+            </a:r>
+            <a:r>
+              <a:rPr lang="nb-NO" sz="1800" dirty="0">
+                <a:effectLst/>
+                <a:latin typeface="Calibri" panose="020F0502020204030204" pitchFamily="34" charset="0"/>
+              </a:rPr>
+              <a:t>&gt;                                </a:t>
+            </a:r>
+          </a:p>
+          <a:p>
+            <a:pPr marL="0" marR="0" indent="0">
+              <a:spcBef>
+                <a:spcPts val="0"/>
+              </a:spcBef>
+              <a:spcAft>
+                <a:spcPts val="0"/>
+              </a:spcAft>
+              <a:buNone/>
+            </a:pPr>
+            <a:r>
+              <a:rPr lang="nb-NO" sz="1800" dirty="0" err="1">
+                <a:effectLst/>
+                <a:latin typeface="Calibri" panose="020F0502020204030204" pitchFamily="34" charset="0"/>
+              </a:rPr>
+              <a:t>ssh-keygen</a:t>
+            </a:r>
+            <a:r>
+              <a:rPr lang="nb-NO" sz="1800" dirty="0">
+                <a:effectLst/>
+                <a:latin typeface="Calibri" panose="020F0502020204030204" pitchFamily="34" charset="0"/>
+              </a:rPr>
+              <a:t> -t </a:t>
+            </a:r>
+            <a:r>
+              <a:rPr lang="nb-NO" sz="1800" dirty="0" err="1">
+                <a:effectLst/>
+                <a:latin typeface="Calibri" panose="020F0502020204030204" pitchFamily="34" charset="0"/>
+              </a:rPr>
+              <a:t>rsa</a:t>
+            </a:r>
+            <a:r>
+              <a:rPr lang="nb-NO" sz="1800" dirty="0">
+                <a:effectLst/>
+                <a:latin typeface="Calibri" panose="020F0502020204030204" pitchFamily="34" charset="0"/>
+              </a:rPr>
+              <a:t> -b 4096 -C " &lt;</a:t>
+            </a:r>
+            <a:r>
+              <a:rPr lang="nb-NO" sz="1800" dirty="0" err="1">
+                <a:effectLst/>
+                <a:latin typeface="Calibri" panose="020F0502020204030204" pitchFamily="34" charset="0"/>
+              </a:rPr>
+              <a:t>YourEmail</a:t>
+            </a:r>
+            <a:r>
+              <a:rPr lang="nb-NO" sz="1800" dirty="0">
+                <a:effectLst/>
+                <a:latin typeface="Calibri" panose="020F0502020204030204" pitchFamily="34" charset="0"/>
+              </a:rPr>
+              <a:t>&gt;"</a:t>
+            </a:r>
+          </a:p>
+          <a:p>
+            <a:pPr marL="0" marR="0" indent="0">
+              <a:spcBef>
+                <a:spcPts val="0"/>
+              </a:spcBef>
+              <a:spcAft>
+                <a:spcPts val="0"/>
+              </a:spcAft>
+              <a:buNone/>
+            </a:pPr>
+            <a:r>
+              <a:rPr lang="nb-NO" sz="1800" dirty="0" err="1">
+                <a:effectLst/>
+                <a:latin typeface="Calibri" panose="020F0502020204030204" pitchFamily="34" charset="0"/>
+              </a:rPr>
+              <a:t>eval</a:t>
+            </a:r>
+            <a:r>
+              <a:rPr lang="nb-NO" sz="1800" dirty="0">
+                <a:effectLst/>
+                <a:latin typeface="Calibri" panose="020F0502020204030204" pitchFamily="34" charset="0"/>
+              </a:rPr>
+              <a:t> "$(</a:t>
+            </a:r>
+            <a:r>
+              <a:rPr lang="nb-NO" sz="1800" dirty="0" err="1">
+                <a:effectLst/>
+                <a:latin typeface="Calibri" panose="020F0502020204030204" pitchFamily="34" charset="0"/>
+              </a:rPr>
+              <a:t>ssh</a:t>
+            </a:r>
+            <a:r>
+              <a:rPr lang="nb-NO" sz="1800" dirty="0">
+                <a:effectLst/>
+                <a:latin typeface="Calibri" panose="020F0502020204030204" pitchFamily="34" charset="0"/>
+              </a:rPr>
+              <a:t>-agent -s)"</a:t>
+            </a:r>
+          </a:p>
+          <a:p>
+            <a:pPr marL="0" marR="0" indent="0">
+              <a:spcBef>
+                <a:spcPts val="0"/>
+              </a:spcBef>
+              <a:spcAft>
+                <a:spcPts val="0"/>
+              </a:spcAft>
+              <a:buNone/>
+            </a:pPr>
+            <a:r>
+              <a:rPr lang="nb-NO" sz="1800" dirty="0" err="1">
+                <a:effectLst/>
+                <a:latin typeface="Calibri" panose="020F0502020204030204" pitchFamily="34" charset="0"/>
+              </a:rPr>
+              <a:t>ssh-add</a:t>
+            </a:r>
+            <a:r>
+              <a:rPr lang="nb-NO" sz="1800" dirty="0">
+                <a:effectLst/>
+                <a:latin typeface="Calibri" panose="020F0502020204030204" pitchFamily="34" charset="0"/>
+              </a:rPr>
+              <a:t> ~/.</a:t>
+            </a:r>
+            <a:r>
+              <a:rPr lang="nb-NO" sz="1800" dirty="0" err="1">
+                <a:effectLst/>
+                <a:latin typeface="Calibri" panose="020F0502020204030204" pitchFamily="34" charset="0"/>
+              </a:rPr>
+              <a:t>ssh</a:t>
+            </a:r>
+            <a:r>
+              <a:rPr lang="nb-NO" sz="1800" dirty="0">
+                <a:effectLst/>
+                <a:latin typeface="Calibri" panose="020F0502020204030204" pitchFamily="34" charset="0"/>
+              </a:rPr>
+              <a:t>/</a:t>
+            </a:r>
+            <a:r>
+              <a:rPr lang="nb-NO" sz="1800" dirty="0" err="1">
+                <a:effectLst/>
+                <a:latin typeface="Calibri" panose="020F0502020204030204" pitchFamily="34" charset="0"/>
+              </a:rPr>
+              <a:t>id_rsa</a:t>
+            </a:r>
+            <a:endParaRPr lang="nb-NO" sz="1800" dirty="0">
+              <a:effectLst/>
+              <a:latin typeface="Calibri" panose="020F0502020204030204" pitchFamily="34" charset="0"/>
+            </a:endParaRPr>
+          </a:p>
+          <a:p>
+            <a:pPr marL="0" marR="0" indent="0">
+              <a:spcBef>
+                <a:spcPts val="0"/>
+              </a:spcBef>
+              <a:spcAft>
+                <a:spcPts val="0"/>
+              </a:spcAft>
+              <a:buNone/>
+            </a:pPr>
+            <a:r>
+              <a:rPr lang="nb-NO" sz="1800" dirty="0">
+                <a:effectLst/>
+                <a:latin typeface="Calibri" panose="020F0502020204030204" pitchFamily="34" charset="0"/>
+              </a:rPr>
+              <a:t>vim ~/.</a:t>
+            </a:r>
+            <a:r>
+              <a:rPr lang="nb-NO" sz="1800" dirty="0" err="1">
+                <a:effectLst/>
+                <a:latin typeface="Calibri" panose="020F0502020204030204" pitchFamily="34" charset="0"/>
+              </a:rPr>
+              <a:t>ssh</a:t>
+            </a:r>
+            <a:r>
+              <a:rPr lang="nb-NO" sz="1800" dirty="0">
+                <a:effectLst/>
+                <a:latin typeface="Calibri" panose="020F0502020204030204" pitchFamily="34" charset="0"/>
+              </a:rPr>
+              <a:t>/id_rsa.pub </a:t>
+            </a:r>
+          </a:p>
+          <a:p>
+            <a:pPr marL="0" marR="0" indent="0">
+              <a:spcBef>
+                <a:spcPts val="0"/>
+              </a:spcBef>
+              <a:spcAft>
+                <a:spcPts val="0"/>
+              </a:spcAft>
+              <a:buNone/>
+            </a:pPr>
+            <a:r>
+              <a:rPr lang="nb-NO" sz="1800" dirty="0">
+                <a:effectLst/>
+                <a:latin typeface="Calibri" panose="020F0502020204030204" pitchFamily="34" charset="0"/>
+              </a:rPr>
+              <a:t>*</a:t>
+            </a:r>
+            <a:r>
+              <a:rPr lang="nb-NO" sz="1800" dirty="0" err="1">
+                <a:effectLst/>
+                <a:latin typeface="Calibri" panose="020F0502020204030204" pitchFamily="34" charset="0"/>
+              </a:rPr>
+              <a:t>copy</a:t>
+            </a:r>
+            <a:r>
+              <a:rPr lang="nb-NO" sz="1800" dirty="0">
+                <a:effectLst/>
+                <a:latin typeface="Calibri" panose="020F0502020204030204" pitchFamily="34" charset="0"/>
+              </a:rPr>
+              <a:t> </a:t>
+            </a:r>
+            <a:r>
+              <a:rPr lang="nb-NO" sz="1800" dirty="0" err="1">
+                <a:effectLst/>
+                <a:latin typeface="Calibri" panose="020F0502020204030204" pitchFamily="34" charset="0"/>
+              </a:rPr>
+              <a:t>key</a:t>
+            </a:r>
+            <a:r>
+              <a:rPr lang="nb-NO" sz="1800" dirty="0">
+                <a:effectLst/>
+                <a:latin typeface="Calibri" panose="020F0502020204030204" pitchFamily="34" charset="0"/>
+              </a:rPr>
+              <a:t> and </a:t>
+            </a:r>
+            <a:r>
+              <a:rPr lang="nb-NO" sz="1800" dirty="0" err="1">
+                <a:effectLst/>
+                <a:latin typeface="Calibri" panose="020F0502020204030204" pitchFamily="34" charset="0"/>
+              </a:rPr>
+              <a:t>add</a:t>
+            </a:r>
+            <a:r>
+              <a:rPr lang="nb-NO" sz="1800" dirty="0">
+                <a:effectLst/>
+                <a:latin typeface="Calibri" panose="020F0502020204030204" pitchFamily="34" charset="0"/>
+              </a:rPr>
+              <a:t> </a:t>
+            </a:r>
+            <a:r>
+              <a:rPr lang="nb-NO" sz="1800" dirty="0" err="1">
+                <a:effectLst/>
+                <a:latin typeface="Calibri" panose="020F0502020204030204" pitchFamily="34" charset="0"/>
+              </a:rPr>
+              <a:t>on</a:t>
+            </a:r>
+            <a:r>
+              <a:rPr lang="nb-NO" sz="1800" dirty="0">
+                <a:effectLst/>
+                <a:latin typeface="Calibri" panose="020F0502020204030204" pitchFamily="34" charset="0"/>
+              </a:rPr>
+              <a:t> </a:t>
+            </a:r>
+            <a:r>
+              <a:rPr lang="nb-NO" sz="1800" dirty="0" err="1">
+                <a:effectLst/>
+                <a:latin typeface="Calibri" panose="020F0502020204030204" pitchFamily="34" charset="0"/>
+              </a:rPr>
+              <a:t>git</a:t>
+            </a:r>
+            <a:r>
+              <a:rPr lang="nb-NO" sz="1800" dirty="0">
+                <a:effectLst/>
+                <a:latin typeface="Calibri" panose="020F0502020204030204" pitchFamily="34" charset="0"/>
+              </a:rPr>
+              <a:t>(settings -&gt;SSH keys</a:t>
+            </a:r>
+            <a:r>
+              <a:rPr lang="nb-NO" sz="1800" dirty="0">
+                <a:latin typeface="Calibri" panose="020F0502020204030204" pitchFamily="34" charset="0"/>
+              </a:rPr>
+              <a:t>-&gt;</a:t>
+            </a:r>
+            <a:r>
+              <a:rPr lang="nb-NO" sz="1800" dirty="0" err="1">
+                <a:latin typeface="Calibri" panose="020F0502020204030204" pitchFamily="34" charset="0"/>
+              </a:rPr>
+              <a:t>add</a:t>
+            </a:r>
+            <a:r>
+              <a:rPr lang="nb-NO" sz="1800" dirty="0">
+                <a:latin typeface="Calibri" panose="020F0502020204030204" pitchFamily="34" charset="0"/>
+              </a:rPr>
+              <a:t> SSH</a:t>
+            </a:r>
+            <a:r>
+              <a:rPr lang="nb-NO" sz="1800" dirty="0">
+                <a:effectLst/>
+                <a:latin typeface="Calibri" panose="020F0502020204030204" pitchFamily="34" charset="0"/>
+              </a:rPr>
+              <a:t>)*</a:t>
+            </a:r>
+          </a:p>
+          <a:p>
+            <a:pPr marL="0" marR="0" indent="0">
+              <a:spcBef>
+                <a:spcPts val="0"/>
+              </a:spcBef>
+              <a:spcAft>
+                <a:spcPts val="0"/>
+              </a:spcAft>
+              <a:buNone/>
+            </a:pPr>
+            <a:r>
+              <a:rPr lang="nb-NO" sz="1800" dirty="0" err="1">
+                <a:effectLst/>
+                <a:latin typeface="Calibri" panose="020F0502020204030204" pitchFamily="34" charset="0"/>
+              </a:rPr>
+              <a:t>git</a:t>
+            </a:r>
+            <a:r>
+              <a:rPr lang="nb-NO" sz="1800" dirty="0">
+                <a:effectLst/>
+                <a:latin typeface="Calibri" panose="020F0502020204030204" pitchFamily="34" charset="0"/>
+              </a:rPr>
+              <a:t> </a:t>
+            </a:r>
+            <a:r>
+              <a:rPr lang="nb-NO" sz="1800" dirty="0" err="1">
+                <a:effectLst/>
+                <a:latin typeface="Calibri" panose="020F0502020204030204" pitchFamily="34" charset="0"/>
+              </a:rPr>
+              <a:t>clone</a:t>
+            </a:r>
+            <a:r>
+              <a:rPr lang="nb-NO" sz="1800" dirty="0">
+                <a:effectLst/>
+                <a:latin typeface="Calibri" panose="020F0502020204030204" pitchFamily="34" charset="0"/>
+              </a:rPr>
+              <a:t> git@github.com:&lt;</a:t>
+            </a:r>
+            <a:r>
+              <a:rPr lang="nb-NO" sz="1800" dirty="0" err="1">
+                <a:effectLst/>
+                <a:latin typeface="Calibri" panose="020F0502020204030204" pitchFamily="34" charset="0"/>
+              </a:rPr>
+              <a:t>YourRepo</a:t>
+            </a:r>
+            <a:r>
+              <a:rPr lang="nb-NO" sz="1800" dirty="0">
+                <a:effectLst/>
+                <a:latin typeface="Calibri" panose="020F0502020204030204" pitchFamily="34" charset="0"/>
+              </a:rPr>
+              <a:t>&gt;.git  </a:t>
+            </a:r>
+          </a:p>
+          <a:p>
+            <a:endParaRPr lang="nb-NO" dirty="0"/>
+          </a:p>
+        </p:txBody>
+      </p:sp>
+    </p:spTree>
+    <p:extLst>
+      <p:ext uri="{BB962C8B-B14F-4D97-AF65-F5344CB8AC3E}">
+        <p14:creationId xmlns:p14="http://schemas.microsoft.com/office/powerpoint/2010/main" val="2846314044"/>
+      </p:ext>
+    </p:extLst>
+  </p:cSld>
+  <p:clrMapOvr>
+    <a:masterClrMapping/>
+  </p:clrMapOvr>
+</p:sld>
+</file>
+
 <file path=ppt/slides/slide9.xml><?xml version="1.0" encoding="utf-8"?>
 <p:sld xmlns:a="http://schemas.openxmlformats.org/drawingml/2006/main" xmlns:r="http://schemas.openxmlformats.org/officeDocument/2006/relationships" xmlns:p="http://schemas.openxmlformats.org/presentationml/2006/main">
   <p:cSld>
@@ -4213,7 +6057,7 @@
           <p:cNvPr id="2" name="Tittel 1">
             <a:extLst>
               <a:ext uri="{FF2B5EF4-FFF2-40B4-BE49-F238E27FC236}">
-                <a16:creationId xmlns:a16="http://schemas.microsoft.com/office/drawing/2014/main" id="{454870A0-C760-48E8-B45A-54269A25D645}"/>
+                <a16:creationId xmlns:a16="http://schemas.microsoft.com/office/drawing/2014/main" id="{D8C83673-AEFA-46E8-BC85-EA64CCD9DBE8}"/>
               </a:ext>
             </a:extLst>
           </p:cNvPr>
@@ -4230,70 +6074,403 @@
           <a:lstStyle/>
           <a:p>
             <a:r>
+              <a:rPr lang="nb-NO" dirty="0" err="1"/>
+              <a:t>Usefull</a:t>
+            </a:r>
+            <a:r>
               <a:rPr lang="nb-NO" dirty="0"/>
-              <a:t>How dose </a:t>
+              <a:t>  </a:t>
             </a:r>
             <a:r>
               <a:rPr lang="nb-NO" dirty="0" err="1"/>
-              <a:t>the</a:t>
-            </a:r>
-            <a:r>
-              <a:rPr lang="nb-NO" dirty="0"/>
+              <a:t>commands</a:t>
+            </a:r>
+            <a:endParaRPr lang="nb-NO" dirty="0"/>
+          </a:p>
+        </p:txBody>
+      </p:sp>
+      <p:sp>
+        <p:nvSpPr>
+          <p:cNvPr id="3" name="Plassholder for innhold 2">
+            <a:extLst>
+              <a:ext uri="{FF2B5EF4-FFF2-40B4-BE49-F238E27FC236}">
+                <a16:creationId xmlns:a16="http://schemas.microsoft.com/office/drawing/2014/main" id="{B6AF7019-14CE-41B1-BDD3-549E04B6448B}"/>
+              </a:ext>
+            </a:extLst>
+          </p:cNvPr>
+          <p:cNvSpPr>
+            <a:spLocks noGrp="1"/>
+          </p:cNvSpPr>
+          <p:nvPr>
+            <p:ph idx="1"/>
+          </p:nvPr>
+        </p:nvSpPr>
+        <p:spPr/>
+        <p:txBody>
+          <a:bodyPr>
+            <a:normAutofit lnSpcReduction="10000"/>
+          </a:bodyPr>
+          <a:lstStyle/>
+          <a:p>
+            <a:pPr marL="0" marR="0">
+              <a:spcBef>
+                <a:spcPts val="0"/>
+              </a:spcBef>
+              <a:spcAft>
+                <a:spcPts val="0"/>
+              </a:spcAft>
+            </a:pPr>
+            <a:r>
+              <a:rPr lang="nb-NO" dirty="0" err="1">
+                <a:effectLst/>
+                <a:latin typeface="Calibri" panose="020F0502020204030204" pitchFamily="34" charset="0"/>
+              </a:rPr>
+              <a:t>git</a:t>
+            </a:r>
+            <a:r>
+              <a:rPr lang="nb-NO" dirty="0">
+                <a:effectLst/>
+                <a:latin typeface="Calibri" panose="020F0502020204030204" pitchFamily="34" charset="0"/>
+              </a:rPr>
+              <a:t> --</a:t>
+            </a:r>
+            <a:r>
+              <a:rPr lang="nb-NO" dirty="0" err="1">
+                <a:effectLst/>
+                <a:latin typeface="Calibri" panose="020F0502020204030204" pitchFamily="34" charset="0"/>
+              </a:rPr>
+              <a:t>version</a:t>
+            </a:r>
+            <a:endParaRPr lang="nb-NO" dirty="0">
+              <a:effectLst/>
+              <a:latin typeface="Calibri" panose="020F0502020204030204" pitchFamily="34" charset="0"/>
+            </a:endParaRPr>
+          </a:p>
+          <a:p>
+            <a:pPr marL="0" marR="0">
+              <a:spcBef>
+                <a:spcPts val="0"/>
+              </a:spcBef>
+              <a:spcAft>
+                <a:spcPts val="0"/>
+              </a:spcAft>
+            </a:pPr>
+            <a:r>
+              <a:rPr lang="nb-NO" dirty="0" err="1">
+                <a:effectLst/>
+                <a:latin typeface="Calibri" panose="020F0502020204030204" pitchFamily="34" charset="0"/>
+              </a:rPr>
+              <a:t>git</a:t>
+            </a:r>
+            <a:r>
+              <a:rPr lang="nb-NO" dirty="0">
+                <a:effectLst/>
+                <a:latin typeface="Calibri" panose="020F0502020204030204" pitchFamily="34" charset="0"/>
+              </a:rPr>
+              <a:t> status</a:t>
+            </a:r>
+          </a:p>
+          <a:p>
+            <a:pPr marL="0">
+              <a:spcBef>
+                <a:spcPts val="0"/>
+              </a:spcBef>
+            </a:pPr>
+            <a:r>
+              <a:rPr lang="nb-NO" dirty="0" err="1">
+                <a:effectLst/>
+                <a:latin typeface="Calibri" panose="020F0502020204030204" pitchFamily="34" charset="0"/>
+              </a:rPr>
+              <a:t>git</a:t>
+            </a:r>
+            <a:r>
+              <a:rPr lang="nb-NO" dirty="0">
+                <a:effectLst/>
+                <a:latin typeface="Calibri" panose="020F0502020204030204" pitchFamily="34" charset="0"/>
+              </a:rPr>
               <a:t> </a:t>
             </a:r>
             <a:r>
-              <a:rPr lang="nb-NO" dirty="0" err="1"/>
-              <a:t>bloody</a:t>
-            </a:r>
-            <a:r>
-              <a:rPr lang="nb-NO" dirty="0"/>
+              <a:rPr lang="nb-NO" dirty="0" err="1">
+                <a:effectLst/>
+                <a:latin typeface="Calibri" panose="020F0502020204030204" pitchFamily="34" charset="0"/>
+              </a:rPr>
+              <a:t>diff</a:t>
+            </a:r>
+            <a:endParaRPr lang="nb-NO" dirty="0">
+              <a:effectLst/>
+              <a:latin typeface="Calibri" panose="020F0502020204030204" pitchFamily="34" charset="0"/>
+            </a:endParaRPr>
+          </a:p>
+          <a:p>
+            <a:pPr marL="0">
+              <a:spcBef>
+                <a:spcPts val="0"/>
+              </a:spcBef>
+            </a:pPr>
+            <a:r>
+              <a:rPr lang="nb-NO" dirty="0" err="1">
+                <a:effectLst/>
+                <a:latin typeface="Calibri" panose="020F0502020204030204" pitchFamily="34" charset="0"/>
+              </a:rPr>
+              <a:t>git</a:t>
+            </a:r>
+            <a:r>
+              <a:rPr lang="nb-NO" dirty="0">
+                <a:effectLst/>
+                <a:latin typeface="Calibri" panose="020F0502020204030204" pitchFamily="34" charset="0"/>
+              </a:rPr>
               <a:t> </a:t>
             </a:r>
             <a:r>
-              <a:rPr lang="nb-NO" dirty="0" err="1"/>
-              <a:t>thing</a:t>
-            </a:r>
-            <a:r>
-              <a:rPr lang="nb-NO" dirty="0"/>
+              <a:rPr lang="nb-NO" dirty="0" err="1">
+                <a:effectLst/>
+                <a:latin typeface="Calibri" panose="020F0502020204030204" pitchFamily="34" charset="0"/>
+              </a:rPr>
+              <a:t>help</a:t>
+            </a:r>
+            <a:endParaRPr lang="nb-NO" dirty="0">
+              <a:effectLst/>
+              <a:latin typeface="Calibri" panose="020F0502020204030204" pitchFamily="34" charset="0"/>
+            </a:endParaRPr>
+          </a:p>
+          <a:p>
+            <a:pPr marL="0">
+              <a:spcBef>
+                <a:spcPts val="0"/>
+              </a:spcBef>
+            </a:pPr>
+            <a:endParaRPr lang="nb-NO" sz="1800" dirty="0">
+              <a:latin typeface="Calibri" panose="020F0502020204030204" pitchFamily="34" charset="0"/>
+            </a:endParaRPr>
+          </a:p>
+          <a:p>
+            <a:pPr marL="0">
+              <a:spcBef>
+                <a:spcPts val="0"/>
+              </a:spcBef>
+            </a:pPr>
+            <a:endParaRPr lang="nb-NO" sz="1800" dirty="0">
+              <a:latin typeface="Calibri" panose="020F0502020204030204" pitchFamily="34" charset="0"/>
+            </a:endParaRPr>
+          </a:p>
+          <a:p>
+            <a:pPr marL="0">
+              <a:spcBef>
+                <a:spcPts val="0"/>
+              </a:spcBef>
+            </a:pPr>
+            <a:endParaRPr lang="nb-NO" dirty="0">
+              <a:latin typeface="Calibri" panose="020F0502020204030204" pitchFamily="34" charset="0"/>
+            </a:endParaRPr>
+          </a:p>
+          <a:p>
+            <a:pPr marL="0">
+              <a:spcBef>
+                <a:spcPts val="0"/>
+              </a:spcBef>
+            </a:pPr>
+            <a:r>
+              <a:rPr lang="nb-NO" dirty="0" err="1">
+                <a:latin typeface="Calibri" panose="020F0502020204030204" pitchFamily="34" charset="0"/>
+              </a:rPr>
+              <a:t>git</a:t>
+            </a:r>
+            <a:r>
+              <a:rPr lang="nb-NO" dirty="0">
+                <a:latin typeface="Calibri" panose="020F0502020204030204" pitchFamily="34" charset="0"/>
+              </a:rPr>
               <a:t> </a:t>
             </a:r>
             <a:r>
-              <a:rPr lang="nb-NO" dirty="0" err="1"/>
-              <a:t>work</a:t>
-            </a:r>
+              <a:rPr lang="nb-NO" dirty="0" err="1">
+                <a:latin typeface="Calibri" panose="020F0502020204030204" pitchFamily="34" charset="0"/>
+              </a:rPr>
+              <a:t>clone</a:t>
+            </a:r>
+            <a:r>
+              <a:rPr lang="nb-NO" dirty="0">
+                <a:latin typeface="Calibri" panose="020F0502020204030204" pitchFamily="34" charset="0"/>
+              </a:rPr>
+              <a:t> git@github.com:&lt;</a:t>
+            </a:r>
+            <a:r>
+              <a:rPr lang="nb-NO" dirty="0" err="1">
+                <a:latin typeface="Calibri" panose="020F0502020204030204" pitchFamily="34" charset="0"/>
+              </a:rPr>
+              <a:t>YourRepo</a:t>
+            </a:r>
+            <a:r>
+              <a:rPr lang="nb-NO" dirty="0">
+                <a:latin typeface="Calibri" panose="020F0502020204030204" pitchFamily="34" charset="0"/>
+              </a:rPr>
+              <a:t>&gt;.</a:t>
+            </a:r>
+            <a:r>
+              <a:rPr lang="nb-NO" dirty="0" err="1">
+                <a:latin typeface="Calibri" panose="020F0502020204030204" pitchFamily="34" charset="0"/>
+              </a:rPr>
+              <a:t>git</a:t>
+            </a:r>
+            <a:r>
+              <a:rPr lang="nb-NO" dirty="0">
+                <a:latin typeface="Calibri" panose="020F0502020204030204" pitchFamily="34" charset="0"/>
+              </a:rPr>
+              <a:t>  </a:t>
+            </a:r>
+          </a:p>
+          <a:p>
+            <a:pPr marL="0">
+              <a:spcBef>
+                <a:spcPts val="0"/>
+              </a:spcBef>
+            </a:pPr>
+            <a:r>
+              <a:rPr lang="nb-NO" dirty="0" err="1">
+                <a:latin typeface="Calibri" panose="020F0502020204030204" pitchFamily="34" charset="0"/>
+              </a:rPr>
+              <a:t>git</a:t>
+            </a:r>
+            <a:r>
+              <a:rPr lang="nb-NO" dirty="0">
+                <a:latin typeface="Calibri" panose="020F0502020204030204" pitchFamily="34" charset="0"/>
+              </a:rPr>
+              <a:t> pull</a:t>
+            </a:r>
+          </a:p>
+          <a:p>
+            <a:pPr marL="0" marR="0">
+              <a:spcBef>
+                <a:spcPts val="0"/>
+              </a:spcBef>
+              <a:spcAft>
+                <a:spcPts val="0"/>
+              </a:spcAft>
+            </a:pPr>
+            <a:r>
+              <a:rPr lang="nb-NO" dirty="0" err="1">
+                <a:latin typeface="Calibri" panose="020F0502020204030204" pitchFamily="34" charset="0"/>
+              </a:rPr>
+              <a:t>git</a:t>
+            </a:r>
+            <a:r>
+              <a:rPr lang="nb-NO" dirty="0">
+                <a:latin typeface="Calibri" panose="020F0502020204030204" pitchFamily="34" charset="0"/>
+              </a:rPr>
+              <a:t> </a:t>
+            </a:r>
+            <a:r>
+              <a:rPr lang="nb-NO" dirty="0" err="1">
+                <a:latin typeface="Calibri" panose="020F0502020204030204" pitchFamily="34" charset="0"/>
+              </a:rPr>
+              <a:t>add</a:t>
+            </a:r>
+            <a:r>
+              <a:rPr lang="nb-NO" dirty="0">
+                <a:latin typeface="Calibri" panose="020F0502020204030204" pitchFamily="34" charset="0"/>
+              </a:rPr>
+              <a:t> --all</a:t>
+            </a:r>
+          </a:p>
+          <a:p>
+            <a:pPr marL="0" marR="0">
+              <a:spcBef>
+                <a:spcPts val="0"/>
+              </a:spcBef>
+              <a:spcAft>
+                <a:spcPts val="0"/>
+              </a:spcAft>
+            </a:pPr>
+            <a:r>
+              <a:rPr lang="nb-NO" dirty="0" err="1">
+                <a:effectLst/>
+                <a:latin typeface="Calibri" panose="020F0502020204030204" pitchFamily="34" charset="0"/>
+              </a:rPr>
+              <a:t>git</a:t>
+            </a:r>
+            <a:r>
+              <a:rPr lang="nb-NO" dirty="0">
+                <a:effectLst/>
+                <a:latin typeface="Calibri" panose="020F0502020204030204" pitchFamily="34" charset="0"/>
+              </a:rPr>
+              <a:t> </a:t>
+            </a:r>
+            <a:r>
+              <a:rPr lang="nb-NO" dirty="0" err="1">
+                <a:effectLst/>
+                <a:latin typeface="Calibri" panose="020F0502020204030204" pitchFamily="34" charset="0"/>
+              </a:rPr>
+              <a:t>commit</a:t>
+            </a:r>
+            <a:r>
+              <a:rPr lang="nb-NO" dirty="0">
+                <a:effectLst/>
+                <a:latin typeface="Calibri" panose="020F0502020204030204" pitchFamily="34" charset="0"/>
+              </a:rPr>
+              <a:t> --all -m "</a:t>
+            </a:r>
+            <a:r>
+              <a:rPr lang="nb-NO" dirty="0" err="1">
+                <a:effectLst/>
+                <a:latin typeface="Calibri" panose="020F0502020204030204" pitchFamily="34" charset="0"/>
+              </a:rPr>
+              <a:t>update</a:t>
+            </a:r>
+            <a:r>
+              <a:rPr lang="nb-NO" dirty="0">
+                <a:effectLst/>
+                <a:latin typeface="Calibri" panose="020F0502020204030204" pitchFamily="34" charset="0"/>
+              </a:rPr>
+              <a:t>"</a:t>
+            </a:r>
+          </a:p>
+          <a:p>
+            <a:pPr marL="0" marR="0">
+              <a:spcBef>
+                <a:spcPts val="0"/>
+              </a:spcBef>
+              <a:spcAft>
+                <a:spcPts val="0"/>
+              </a:spcAft>
+            </a:pPr>
+            <a:r>
+              <a:rPr lang="nb-NO" dirty="0" err="1">
+                <a:effectLst/>
+                <a:latin typeface="Calibri" panose="020F0502020204030204" pitchFamily="34" charset="0"/>
+              </a:rPr>
+              <a:t>git</a:t>
+            </a:r>
+            <a:r>
+              <a:rPr lang="nb-NO" dirty="0">
+                <a:effectLst/>
+                <a:latin typeface="Calibri" panose="020F0502020204030204" pitchFamily="34" charset="0"/>
+              </a:rPr>
+              <a:t> push</a:t>
+            </a:r>
+          </a:p>
+          <a:p>
+            <a:pPr marL="0" marR="0">
+              <a:spcBef>
+                <a:spcPts val="0"/>
+              </a:spcBef>
+              <a:spcAft>
+                <a:spcPts val="0"/>
+              </a:spcAft>
+            </a:pPr>
+            <a:endParaRPr lang="nb-NO" sz="1800" dirty="0">
+              <a:effectLst/>
+              <a:latin typeface="Calibri" panose="020F0502020204030204" pitchFamily="34" charset="0"/>
+            </a:endParaRPr>
+          </a:p>
+          <a:p>
             <a:endParaRPr lang="nb-NO" dirty="0"/>
-          </a:p>
-        </p:txBody>
-      </p:sp>
-      <p:sp>
-        <p:nvSpPr>
-          <p:cNvPr id="3" name="Plassholder for innhold 2">
-            <a:extLst>
-              <a:ext uri="{FF2B5EF4-FFF2-40B4-BE49-F238E27FC236}">
-                <a16:creationId xmlns:a16="http://schemas.microsoft.com/office/drawing/2014/main" id="{9FEC71F0-B67C-4CF7-9B97-8AA6428C5A41}"/>
-              </a:ext>
-            </a:extLst>
-          </p:cNvPr>
-          <p:cNvSpPr>
-            <a:spLocks noGrp="1"/>
-          </p:cNvSpPr>
-          <p:nvPr>
-            <p:ph idx="1"/>
-          </p:nvPr>
-        </p:nvSpPr>
-        <p:spPr/>
-        <p:txBody>
-          <a:bodyPr/>
-          <a:lstStyle/>
-          <a:p>
-            <a:endParaRPr lang="nb-NO"/>
           </a:p>
         </p:txBody>
       </p:sp>
     </p:spTree>
     <p:extLst>
       <p:ext uri="{BB962C8B-B14F-4D97-AF65-F5344CB8AC3E}">
-        <p14:creationId xmlns:p14="http://schemas.microsoft.com/office/powerpoint/2010/main" val="526495768"/>
+        <p14:creationId xmlns:p14="http://schemas.microsoft.com/office/powerpoint/2010/main" val="2760577703"/>
       </p:ext>
     </p:extLst>
   </p:cSld>

--- a/2020-09-03 Git og Github/Git.pptx
+++ b/2020-09-03 Git og Github/Git.pptx
@@ -729,7 +729,7 @@
           <a:p>
             <a:fld id="{32844A83-6C71-4801-BA37-EA9FF4C06BE7}" type="datetimeFigureOut">
               <a:rPr lang="nb-NO" smtClean="0"/>
-              <a:t>01.09.2020</a:t>
+              <a:t>02.09.2020</a:t>
             </a:fld>
             <a:endParaRPr lang="nb-NO"/>
           </a:p>
@@ -927,7 +927,7 @@
           <a:p>
             <a:fld id="{32844A83-6C71-4801-BA37-EA9FF4C06BE7}" type="datetimeFigureOut">
               <a:rPr lang="nb-NO" smtClean="0"/>
-              <a:t>01.09.2020</a:t>
+              <a:t>02.09.2020</a:t>
             </a:fld>
             <a:endParaRPr lang="nb-NO"/>
           </a:p>
@@ -1135,7 +1135,7 @@
           <a:p>
             <a:fld id="{32844A83-6C71-4801-BA37-EA9FF4C06BE7}" type="datetimeFigureOut">
               <a:rPr lang="nb-NO" smtClean="0"/>
-              <a:t>01.09.2020</a:t>
+              <a:t>02.09.2020</a:t>
             </a:fld>
             <a:endParaRPr lang="nb-NO"/>
           </a:p>
@@ -1333,7 +1333,7 @@
           <a:p>
             <a:fld id="{32844A83-6C71-4801-BA37-EA9FF4C06BE7}" type="datetimeFigureOut">
               <a:rPr lang="nb-NO" smtClean="0"/>
-              <a:t>01.09.2020</a:t>
+              <a:t>02.09.2020</a:t>
             </a:fld>
             <a:endParaRPr lang="nb-NO"/>
           </a:p>
@@ -1608,7 +1608,7 @@
           <a:p>
             <a:fld id="{32844A83-6C71-4801-BA37-EA9FF4C06BE7}" type="datetimeFigureOut">
               <a:rPr lang="nb-NO" smtClean="0"/>
-              <a:t>01.09.2020</a:t>
+              <a:t>02.09.2020</a:t>
             </a:fld>
             <a:endParaRPr lang="nb-NO"/>
           </a:p>
@@ -1873,7 +1873,7 @@
           <a:p>
             <a:fld id="{32844A83-6C71-4801-BA37-EA9FF4C06BE7}" type="datetimeFigureOut">
               <a:rPr lang="nb-NO" smtClean="0"/>
-              <a:t>01.09.2020</a:t>
+              <a:t>02.09.2020</a:t>
             </a:fld>
             <a:endParaRPr lang="nb-NO"/>
           </a:p>
@@ -2285,7 +2285,7 @@
           <a:p>
             <a:fld id="{32844A83-6C71-4801-BA37-EA9FF4C06BE7}" type="datetimeFigureOut">
               <a:rPr lang="nb-NO" smtClean="0"/>
-              <a:t>01.09.2020</a:t>
+              <a:t>02.09.2020</a:t>
             </a:fld>
             <a:endParaRPr lang="nb-NO"/>
           </a:p>
@@ -2426,7 +2426,7 @@
           <a:p>
             <a:fld id="{32844A83-6C71-4801-BA37-EA9FF4C06BE7}" type="datetimeFigureOut">
               <a:rPr lang="nb-NO" smtClean="0"/>
-              <a:t>01.09.2020</a:t>
+              <a:t>02.09.2020</a:t>
             </a:fld>
             <a:endParaRPr lang="nb-NO"/>
           </a:p>
@@ -2539,7 +2539,7 @@
           <a:p>
             <a:fld id="{32844A83-6C71-4801-BA37-EA9FF4C06BE7}" type="datetimeFigureOut">
               <a:rPr lang="nb-NO" smtClean="0"/>
-              <a:t>01.09.2020</a:t>
+              <a:t>02.09.2020</a:t>
             </a:fld>
             <a:endParaRPr lang="nb-NO"/>
           </a:p>
@@ -2850,7 +2850,7 @@
           <a:p>
             <a:fld id="{32844A83-6C71-4801-BA37-EA9FF4C06BE7}" type="datetimeFigureOut">
               <a:rPr lang="nb-NO" smtClean="0"/>
-              <a:t>01.09.2020</a:t>
+              <a:t>02.09.2020</a:t>
             </a:fld>
             <a:endParaRPr lang="nb-NO"/>
           </a:p>
@@ -3138,7 +3138,7 @@
           <a:p>
             <a:fld id="{32844A83-6C71-4801-BA37-EA9FF4C06BE7}" type="datetimeFigureOut">
               <a:rPr lang="nb-NO" smtClean="0"/>
-              <a:t>01.09.2020</a:t>
+              <a:t>02.09.2020</a:t>
             </a:fld>
             <a:endParaRPr lang="nb-NO"/>
           </a:p>
@@ -3379,7 +3379,7 @@
           <a:p>
             <a:fld id="{32844A83-6C71-4801-BA37-EA9FF4C06BE7}" type="datetimeFigureOut">
               <a:rPr lang="nb-NO" smtClean="0"/>
-              <a:t>01.09.2020</a:t>
+              <a:t>02.09.2020</a:t>
             </a:fld>
             <a:endParaRPr lang="nb-NO"/>
           </a:p>
@@ -4661,7 +4661,7 @@
         <p:spPr/>
         <p:txBody>
           <a:bodyPr>
-            <a:normAutofit fontScale="62500" lnSpcReduction="20000"/>
+            <a:normAutofit fontScale="55000" lnSpcReduction="20000"/>
           </a:bodyPr>
           <a:lstStyle/>
           <a:p>
@@ -4765,6 +4765,18 @@
           </a:p>
           <a:p>
             <a:endParaRPr lang="nb-NO" dirty="0"/>
+          </a:p>
+          <a:p>
+            <a:r>
+              <a:rPr lang="nb-NO" dirty="0">
+                <a:hlinkClick r:id="rId9"/>
+              </a:rPr>
+              <a:t>https://www.upguard.com/blog/microsoft-visual-studio-team-services-vs-github</a:t>
+            </a:r>
+            <a:r>
+              <a:rPr lang="nb-NO" dirty="0"/>
+              <a:t> </a:t>
+            </a:r>
           </a:p>
         </p:txBody>
       </p:sp>

--- a/2020-09-03 Git og Github/Git.pptx
+++ b/2020-09-03 Git og Github/Git.pptx
@@ -142,18 +142,18 @@
   <pc:docChgLst>
     <pc:chgData name="Magnus Haugen" userId="e1383817-b5a9-4564-b9cb-b16075c1972c" providerId="ADAL" clId="{30310A27-1AA3-46CE-8040-E4BEBABA4B74}"/>
     <pc:docChg chg="undo redo custSel mod addSld delSld modSld sldOrd">
-      <pc:chgData name="Magnus Haugen" userId="e1383817-b5a9-4564-b9cb-b16075c1972c" providerId="ADAL" clId="{30310A27-1AA3-46CE-8040-E4BEBABA4B74}" dt="2020-09-01T23:19:49.750" v="776" actId="27636"/>
+      <pc:chgData name="Magnus Haugen" userId="e1383817-b5a9-4564-b9cb-b16075c1972c" providerId="ADAL" clId="{30310A27-1AA3-46CE-8040-E4BEBABA4B74}" dt="2020-09-02T17:32:02.408" v="888" actId="27636"/>
       <pc:docMkLst>
         <pc:docMk/>
       </pc:docMkLst>
       <pc:sldChg chg="modSp mod">
-        <pc:chgData name="Magnus Haugen" userId="e1383817-b5a9-4564-b9cb-b16075c1972c" providerId="ADAL" clId="{30310A27-1AA3-46CE-8040-E4BEBABA4B74}" dt="2020-09-01T23:02:55.498" v="664" actId="20577"/>
+        <pc:chgData name="Magnus Haugen" userId="e1383817-b5a9-4564-b9cb-b16075c1972c" providerId="ADAL" clId="{30310A27-1AA3-46CE-8040-E4BEBABA4B74}" dt="2020-09-02T17:24:31.791" v="850"/>
         <pc:sldMkLst>
           <pc:docMk/>
           <pc:sldMk cId="1486535821" sldId="259"/>
         </pc:sldMkLst>
         <pc:spChg chg="mod">
-          <ac:chgData name="Magnus Haugen" userId="e1383817-b5a9-4564-b9cb-b16075c1972c" providerId="ADAL" clId="{30310A27-1AA3-46CE-8040-E4BEBABA4B74}" dt="2020-09-01T23:02:55.498" v="664" actId="20577"/>
+          <ac:chgData name="Magnus Haugen" userId="e1383817-b5a9-4564-b9cb-b16075c1972c" providerId="ADAL" clId="{30310A27-1AA3-46CE-8040-E4BEBABA4B74}" dt="2020-09-02T17:24:31.791" v="850"/>
           <ac:spMkLst>
             <pc:docMk/>
             <pc:sldMk cId="1486535821" sldId="259"/>
@@ -393,7 +393,7 @@
         </pc:spChg>
       </pc:sldChg>
       <pc:sldChg chg="modSp new mod ord">
-        <pc:chgData name="Magnus Haugen" userId="e1383817-b5a9-4564-b9cb-b16075c1972c" providerId="ADAL" clId="{30310A27-1AA3-46CE-8040-E4BEBABA4B74}" dt="2020-09-01T22:45:49.565" v="607" actId="255"/>
+        <pc:chgData name="Magnus Haugen" userId="e1383817-b5a9-4564-b9cb-b16075c1972c" providerId="ADAL" clId="{30310A27-1AA3-46CE-8040-E4BEBABA4B74}" dt="2020-09-02T17:32:02.408" v="888" actId="27636"/>
         <pc:sldMkLst>
           <pc:docMk/>
           <pc:sldMk cId="2760577703" sldId="270"/>
@@ -407,7 +407,7 @@
           </ac:spMkLst>
         </pc:spChg>
         <pc:spChg chg="mod">
-          <ac:chgData name="Magnus Haugen" userId="e1383817-b5a9-4564-b9cb-b16075c1972c" providerId="ADAL" clId="{30310A27-1AA3-46CE-8040-E4BEBABA4B74}" dt="2020-09-01T22:45:49.565" v="607" actId="255"/>
+          <ac:chgData name="Magnus Haugen" userId="e1383817-b5a9-4564-b9cb-b16075c1972c" providerId="ADAL" clId="{30310A27-1AA3-46CE-8040-E4BEBABA4B74}" dt="2020-09-02T17:32:02.408" v="888" actId="27636"/>
           <ac:spMkLst>
             <pc:docMk/>
             <pc:sldMk cId="2760577703" sldId="270"/>
@@ -4048,7 +4048,20 @@
           <a:p>
             <a:r>
               <a:rPr lang="nb-NO" dirty="0" err="1"/>
-              <a:t>issue</a:t>
+              <a:t>Issue</a:t>
+            </a:r>
+            <a:endParaRPr lang="nb-NO" dirty="0"/>
+          </a:p>
+          <a:p>
+            <a:r>
+              <a:rPr lang="nb-NO" dirty="0"/>
+              <a:t>Project</a:t>
+            </a:r>
+          </a:p>
+          <a:p>
+            <a:r>
+              <a:rPr lang="nb-NO" dirty="0" err="1"/>
+              <a:t>network</a:t>
             </a:r>
             <a:endParaRPr lang="nb-NO" dirty="0"/>
           </a:p>
@@ -6117,10 +6130,15 @@
             <p:ph idx="1"/>
           </p:nvPr>
         </p:nvSpPr>
-        <p:spPr/>
+        <p:spPr>
+          <a:xfrm>
+            <a:off x="838200" y="1444625"/>
+            <a:ext cx="10515600" cy="4351338"/>
+          </a:xfrm>
+        </p:spPr>
         <p:txBody>
           <a:bodyPr>
-            <a:normAutofit lnSpcReduction="10000"/>
+            <a:normAutofit fontScale="77500" lnSpcReduction="20000"/>
           </a:bodyPr>
           <a:lstStyle/>
           <a:p>
@@ -6247,30 +6265,23 @@
             </a:endParaRPr>
           </a:p>
           <a:p>
-            <a:pPr marL="0">
+            <a:pPr marL="0" indent="0">
               <a:spcBef>
                 <a:spcPts val="0"/>
               </a:spcBef>
+              <a:buNone/>
             </a:pPr>
-            <a:endParaRPr lang="nb-NO" sz="1800" dirty="0">
+            <a:endParaRPr lang="nb-NO" dirty="0">
+              <a:effectLst/>
               <a:latin typeface="Calibri" panose="020F0502020204030204" pitchFamily="34" charset="0"/>
             </a:endParaRPr>
           </a:p>
           <a:p>
-            <a:pPr marL="0">
+            <a:pPr marL="0" indent="0">
               <a:spcBef>
                 <a:spcPts val="0"/>
               </a:spcBef>
-            </a:pPr>
-            <a:endParaRPr lang="nb-NO" sz="1800" dirty="0">
-              <a:latin typeface="Calibri" panose="020F0502020204030204" pitchFamily="34" charset="0"/>
-            </a:endParaRPr>
-          </a:p>
-          <a:p>
-            <a:pPr marL="0">
-              <a:spcBef>
-                <a:spcPts val="0"/>
-              </a:spcBef>
+              <a:buNone/>
             </a:pPr>
             <a:endParaRPr lang="nb-NO" dirty="0">
               <a:latin typeface="Calibri" panose="020F0502020204030204" pitchFamily="34" charset="0"/>
@@ -6459,6 +6470,208 @@
               </a:rPr>
               <a:t> push</a:t>
             </a:r>
+          </a:p>
+          <a:p>
+            <a:pPr marL="0" marR="0">
+              <a:spcBef>
+                <a:spcPts val="0"/>
+              </a:spcBef>
+              <a:spcAft>
+                <a:spcPts val="0"/>
+              </a:spcAft>
+            </a:pPr>
+            <a:endParaRPr lang="nb-NO" dirty="0">
+              <a:latin typeface="Calibri" panose="020F0502020204030204" pitchFamily="34" charset="0"/>
+            </a:endParaRPr>
+          </a:p>
+          <a:p>
+            <a:pPr marL="0" marR="0">
+              <a:spcBef>
+                <a:spcPts val="0"/>
+              </a:spcBef>
+              <a:spcAft>
+                <a:spcPts val="0"/>
+              </a:spcAft>
+            </a:pPr>
+            <a:r>
+              <a:rPr lang="nb-NO" dirty="0" err="1">
+                <a:effectLst/>
+                <a:latin typeface="Calibri" panose="020F0502020204030204" pitchFamily="34" charset="0"/>
+              </a:rPr>
+              <a:t>git</a:t>
+            </a:r>
+            <a:r>
+              <a:rPr lang="nb-NO" dirty="0">
+                <a:effectLst/>
+                <a:latin typeface="Calibri" panose="020F0502020204030204" pitchFamily="34" charset="0"/>
+              </a:rPr>
+              <a:t> </a:t>
+            </a:r>
+            <a:r>
+              <a:rPr lang="nb-NO" dirty="0" err="1">
+                <a:effectLst/>
+                <a:latin typeface="Calibri" panose="020F0502020204030204" pitchFamily="34" charset="0"/>
+              </a:rPr>
+              <a:t>branch</a:t>
+            </a:r>
+            <a:endParaRPr lang="nb-NO" dirty="0">
+              <a:effectLst/>
+              <a:latin typeface="Calibri" panose="020F0502020204030204" pitchFamily="34" charset="0"/>
+            </a:endParaRPr>
+          </a:p>
+          <a:p>
+            <a:pPr marL="0">
+              <a:spcBef>
+                <a:spcPts val="0"/>
+              </a:spcBef>
+            </a:pPr>
+            <a:r>
+              <a:rPr lang="nb-NO" dirty="0" err="1">
+                <a:effectLst/>
+                <a:latin typeface="Calibri" panose="020F0502020204030204" pitchFamily="34" charset="0"/>
+              </a:rPr>
+              <a:t>git</a:t>
+            </a:r>
+            <a:r>
+              <a:rPr lang="nb-NO" dirty="0">
+                <a:effectLst/>
+                <a:latin typeface="Calibri" panose="020F0502020204030204" pitchFamily="34" charset="0"/>
+              </a:rPr>
+              <a:t> </a:t>
+            </a:r>
+            <a:r>
+              <a:rPr lang="nb-NO" dirty="0" err="1">
+                <a:effectLst/>
+                <a:latin typeface="Calibri" panose="020F0502020204030204" pitchFamily="34" charset="0"/>
+              </a:rPr>
+              <a:t>checkout</a:t>
+            </a:r>
+            <a:r>
+              <a:rPr lang="nb-NO" dirty="0">
+                <a:effectLst/>
+                <a:latin typeface="Calibri" panose="020F0502020204030204" pitchFamily="34" charset="0"/>
+              </a:rPr>
+              <a:t> master</a:t>
+            </a:r>
+          </a:p>
+          <a:p>
+            <a:pPr marL="0">
+              <a:spcBef>
+                <a:spcPts val="0"/>
+              </a:spcBef>
+            </a:pPr>
+            <a:r>
+              <a:rPr lang="nb-NO" dirty="0" err="1">
+                <a:effectLst/>
+                <a:latin typeface="Calibri" panose="020F0502020204030204" pitchFamily="34" charset="0"/>
+              </a:rPr>
+              <a:t>git</a:t>
+            </a:r>
+            <a:r>
+              <a:rPr lang="nb-NO" dirty="0">
+                <a:effectLst/>
+                <a:latin typeface="Calibri" panose="020F0502020204030204" pitchFamily="34" charset="0"/>
+              </a:rPr>
+              <a:t> </a:t>
+            </a:r>
+            <a:r>
+              <a:rPr lang="nb-NO" dirty="0" err="1">
+                <a:effectLst/>
+                <a:latin typeface="Calibri" panose="020F0502020204030204" pitchFamily="34" charset="0"/>
+              </a:rPr>
+              <a:t>merge</a:t>
+            </a:r>
+            <a:r>
+              <a:rPr lang="nb-NO" dirty="0">
+                <a:effectLst/>
+                <a:latin typeface="Calibri" panose="020F0502020204030204" pitchFamily="34" charset="0"/>
+              </a:rPr>
+              <a:t> universe1</a:t>
+            </a:r>
+          </a:p>
+          <a:p>
+            <a:pPr marL="0">
+              <a:spcBef>
+                <a:spcPts val="0"/>
+              </a:spcBef>
+            </a:pPr>
+            <a:r>
+              <a:rPr lang="nb-NO" dirty="0" err="1">
+                <a:effectLst/>
+                <a:latin typeface="Calibri" panose="020F0502020204030204" pitchFamily="34" charset="0"/>
+              </a:rPr>
+              <a:t>git</a:t>
+            </a:r>
+            <a:r>
+              <a:rPr lang="nb-NO" dirty="0">
+                <a:effectLst/>
+                <a:latin typeface="Calibri" panose="020F0502020204030204" pitchFamily="34" charset="0"/>
+              </a:rPr>
+              <a:t> </a:t>
+            </a:r>
+            <a:r>
+              <a:rPr lang="nb-NO" dirty="0" err="1">
+                <a:effectLst/>
+                <a:latin typeface="Calibri" panose="020F0502020204030204" pitchFamily="34" charset="0"/>
+              </a:rPr>
+              <a:t>brance</a:t>
+            </a:r>
+            <a:r>
+              <a:rPr lang="nb-NO" dirty="0">
+                <a:effectLst/>
+                <a:latin typeface="Calibri" panose="020F0502020204030204" pitchFamily="34" charset="0"/>
+              </a:rPr>
+              <a:t> -d universe1</a:t>
+            </a:r>
+          </a:p>
+          <a:p>
+            <a:pPr marL="0">
+              <a:spcBef>
+                <a:spcPts val="0"/>
+              </a:spcBef>
+            </a:pPr>
+            <a:r>
+              <a:rPr lang="nb-NO" dirty="0" err="1">
+                <a:effectLst/>
+                <a:latin typeface="Calibri" panose="020F0502020204030204" pitchFamily="34" charset="0"/>
+              </a:rPr>
+              <a:t>git</a:t>
+            </a:r>
+            <a:r>
+              <a:rPr lang="nb-NO" dirty="0">
+                <a:effectLst/>
+                <a:latin typeface="Calibri" panose="020F0502020204030204" pitchFamily="34" charset="0"/>
+              </a:rPr>
+              <a:t> push </a:t>
+            </a:r>
+            <a:r>
+              <a:rPr lang="nb-NO" dirty="0" err="1">
+                <a:effectLst/>
+                <a:latin typeface="Calibri" panose="020F0502020204030204" pitchFamily="34" charset="0"/>
+              </a:rPr>
+              <a:t>origin</a:t>
+            </a:r>
+            <a:r>
+              <a:rPr lang="nb-NO" dirty="0">
+                <a:effectLst/>
+                <a:latin typeface="Calibri" panose="020F0502020204030204" pitchFamily="34" charset="0"/>
+              </a:rPr>
+              <a:t> :universe1</a:t>
+            </a:r>
+          </a:p>
+          <a:p>
+            <a:pPr marL="0" marR="0">
+              <a:spcBef>
+                <a:spcPts val="0"/>
+              </a:spcBef>
+              <a:spcAft>
+                <a:spcPts val="0"/>
+              </a:spcAft>
+            </a:pPr>
+            <a:endParaRPr lang="nb-NO" dirty="0">
+              <a:effectLst/>
+              <a:latin typeface="Calibri" panose="020F0502020204030204" pitchFamily="34" charset="0"/>
+            </a:endParaRPr>
           </a:p>
           <a:p>
             <a:pPr marL="0" marR="0">

--- a/2020-09-03 Git og Github/Git.pptx
+++ b/2020-09-03 Git og Github/Git.pptx
@@ -142,7 +142,7 @@
   <pc:docChgLst>
     <pc:chgData name="Magnus Haugen" userId="e1383817-b5a9-4564-b9cb-b16075c1972c" providerId="ADAL" clId="{30310A27-1AA3-46CE-8040-E4BEBABA4B74}"/>
     <pc:docChg chg="undo redo custSel mod addSld delSld modSld sldOrd">
-      <pc:chgData name="Magnus Haugen" userId="e1383817-b5a9-4564-b9cb-b16075c1972c" providerId="ADAL" clId="{30310A27-1AA3-46CE-8040-E4BEBABA4B74}" dt="2020-09-02T17:32:02.408" v="888" actId="27636"/>
+      <pc:chgData name="Magnus Haugen" userId="e1383817-b5a9-4564-b9cb-b16075c1972c" providerId="ADAL" clId="{30310A27-1AA3-46CE-8040-E4BEBABA4B74}" dt="2020-09-02T17:54:31.622" v="894" actId="20577"/>
       <pc:docMkLst>
         <pc:docMk/>
       </pc:docMkLst>
@@ -393,7 +393,7 @@
         </pc:spChg>
       </pc:sldChg>
       <pc:sldChg chg="modSp new mod ord">
-        <pc:chgData name="Magnus Haugen" userId="e1383817-b5a9-4564-b9cb-b16075c1972c" providerId="ADAL" clId="{30310A27-1AA3-46CE-8040-E4BEBABA4B74}" dt="2020-09-02T17:32:02.408" v="888" actId="27636"/>
+        <pc:chgData name="Magnus Haugen" userId="e1383817-b5a9-4564-b9cb-b16075c1972c" providerId="ADAL" clId="{30310A27-1AA3-46CE-8040-E4BEBABA4B74}" dt="2020-09-02T17:54:31.622" v="894" actId="20577"/>
         <pc:sldMkLst>
           <pc:docMk/>
           <pc:sldMk cId="2760577703" sldId="270"/>
@@ -407,7 +407,7 @@
           </ac:spMkLst>
         </pc:spChg>
         <pc:spChg chg="mod">
-          <ac:chgData name="Magnus Haugen" userId="e1383817-b5a9-4564-b9cb-b16075c1972c" providerId="ADAL" clId="{30310A27-1AA3-46CE-8040-E4BEBABA4B74}" dt="2020-09-02T17:32:02.408" v="888" actId="27636"/>
+          <ac:chgData name="Magnus Haugen" userId="e1383817-b5a9-4564-b9cb-b16075c1972c" providerId="ADAL" clId="{30310A27-1AA3-46CE-8040-E4BEBABA4B74}" dt="2020-09-02T17:54:31.622" v="894" actId="20577"/>
           <ac:spMkLst>
             <pc:docMk/>
             <pc:sldMk cId="2760577703" sldId="270"/>
@@ -6495,6 +6495,40 @@
             </a:pPr>
             <a:r>
               <a:rPr lang="nb-NO" dirty="0" err="1">
+                <a:latin typeface="Calibri" panose="020F0502020204030204" pitchFamily="34" charset="0"/>
+              </a:rPr>
+              <a:t>git</a:t>
+            </a:r>
+            <a:r>
+              <a:rPr lang="nb-NO" dirty="0">
+                <a:latin typeface="Calibri" panose="020F0502020204030204" pitchFamily="34" charset="0"/>
+              </a:rPr>
+              <a:t> </a:t>
+            </a:r>
+            <a:r>
+              <a:rPr lang="nb-NO" dirty="0" err="1">
+                <a:latin typeface="Calibri" panose="020F0502020204030204" pitchFamily="34" charset="0"/>
+              </a:rPr>
+              <a:t>branch</a:t>
+            </a:r>
+            <a:r>
+              <a:rPr lang="nb-NO" dirty="0">
+                <a:latin typeface="Calibri" panose="020F0502020204030204" pitchFamily="34" charset="0"/>
+              </a:rPr>
+              <a:t> universe1</a:t>
+            </a:r>
+          </a:p>
+          <a:p>
+            <a:pPr marL="0" marR="0">
+              <a:spcBef>
+                <a:spcPts val="0"/>
+              </a:spcBef>
+              <a:spcAft>
+                <a:spcPts val="0"/>
+              </a:spcAft>
+            </a:pPr>
+            <a:r>
+              <a:rPr lang="nb-NO" dirty="0" err="1">
                 <a:effectLst/>
                 <a:latin typeface="Calibri" panose="020F0502020204030204" pitchFamily="34" charset="0"/>
               </a:rPr>

--- a/2020-09-03 Git og Github/Git.pptx
+++ b/2020-09-03 Git og Github/Git.pptx
@@ -19,10 +19,9 @@
     <p:sldId id="265" r:id="rId13"/>
     <p:sldId id="267" r:id="rId14"/>
     <p:sldId id="266" r:id="rId15"/>
-    <p:sldId id="275" r:id="rId16"/>
-    <p:sldId id="264" r:id="rId17"/>
-    <p:sldId id="271" r:id="rId18"/>
-    <p:sldId id="274" r:id="rId19"/>
+    <p:sldId id="264" r:id="rId16"/>
+    <p:sldId id="271" r:id="rId17"/>
+    <p:sldId id="274" r:id="rId18"/>
   </p:sldIdLst>
   <p:sldSz cx="12192000" cy="6858000"/>
   <p:notesSz cx="6858000" cy="9144000"/>
@@ -132,7 +131,7 @@
 <file path=ppt/revisionInfo.xml><?xml version="1.0" encoding="utf-8"?>
 <p1510:revInfo xmlns:a="http://schemas.openxmlformats.org/drawingml/2006/main" xmlns:r="http://schemas.openxmlformats.org/officeDocument/2006/relationships" xmlns:p1510="http://schemas.microsoft.com/office/powerpoint/2015/10/main">
   <p1510:revLst>
-    <p1510:client id="{30310A27-1AA3-46CE-8040-E4BEBABA4B74}" v="23" dt="2020-09-01T23:19:37.763"/>
+    <p1510:client id="{30310A27-1AA3-46CE-8040-E4BEBABA4B74}" v="25" dt="2020-09-02T18:00:59.853"/>
   </p1510:revLst>
 </p1510:revInfo>
 </file>
@@ -142,18 +141,18 @@
   <pc:docChgLst>
     <pc:chgData name="Magnus Haugen" userId="e1383817-b5a9-4564-b9cb-b16075c1972c" providerId="ADAL" clId="{30310A27-1AA3-46CE-8040-E4BEBABA4B74}"/>
     <pc:docChg chg="undo redo custSel mod addSld delSld modSld sldOrd">
-      <pc:chgData name="Magnus Haugen" userId="e1383817-b5a9-4564-b9cb-b16075c1972c" providerId="ADAL" clId="{30310A27-1AA3-46CE-8040-E4BEBABA4B74}" dt="2020-09-02T17:54:31.622" v="894" actId="20577"/>
+      <pc:chgData name="Magnus Haugen" userId="e1383817-b5a9-4564-b9cb-b16075c1972c" providerId="ADAL" clId="{30310A27-1AA3-46CE-8040-E4BEBABA4B74}" dt="2020-09-02T18:07:38.485" v="1001" actId="5793"/>
       <pc:docMkLst>
         <pc:docMk/>
       </pc:docMkLst>
       <pc:sldChg chg="modSp mod">
-        <pc:chgData name="Magnus Haugen" userId="e1383817-b5a9-4564-b9cb-b16075c1972c" providerId="ADAL" clId="{30310A27-1AA3-46CE-8040-E4BEBABA4B74}" dt="2020-09-02T17:24:31.791" v="850"/>
+        <pc:chgData name="Magnus Haugen" userId="e1383817-b5a9-4564-b9cb-b16075c1972c" providerId="ADAL" clId="{30310A27-1AA3-46CE-8040-E4BEBABA4B74}" dt="2020-09-02T18:02:39.592" v="909" actId="20577"/>
         <pc:sldMkLst>
           <pc:docMk/>
           <pc:sldMk cId="1486535821" sldId="259"/>
         </pc:sldMkLst>
         <pc:spChg chg="mod">
-          <ac:chgData name="Magnus Haugen" userId="e1383817-b5a9-4564-b9cb-b16075c1972c" providerId="ADAL" clId="{30310A27-1AA3-46CE-8040-E4BEBABA4B74}" dt="2020-09-02T17:24:31.791" v="850"/>
+          <ac:chgData name="Magnus Haugen" userId="e1383817-b5a9-4564-b9cb-b16075c1972c" providerId="ADAL" clId="{30310A27-1AA3-46CE-8040-E4BEBABA4B74}" dt="2020-09-02T18:02:39.592" v="909" actId="20577"/>
           <ac:spMkLst>
             <pc:docMk/>
             <pc:sldMk cId="1486535821" sldId="259"/>
@@ -262,7 +261,7 @@
         </pc:spChg>
       </pc:sldChg>
       <pc:sldChg chg="addSp delSp modSp mod setBg">
-        <pc:chgData name="Magnus Haugen" userId="e1383817-b5a9-4564-b9cb-b16075c1972c" providerId="ADAL" clId="{30310A27-1AA3-46CE-8040-E4BEBABA4B74}" dt="2020-09-01T22:05:51.206" v="501" actId="6549"/>
+        <pc:chgData name="Magnus Haugen" userId="e1383817-b5a9-4564-b9cb-b16075c1972c" providerId="ADAL" clId="{30310A27-1AA3-46CE-8040-E4BEBABA4B74}" dt="2020-09-02T18:03:35.034" v="969" actId="20577"/>
         <pc:sldMkLst>
           <pc:docMk/>
           <pc:sldMk cId="944785966" sldId="265"/>
@@ -276,7 +275,7 @@
           </ac:spMkLst>
         </pc:spChg>
         <pc:spChg chg="add del mod">
-          <ac:chgData name="Magnus Haugen" userId="e1383817-b5a9-4564-b9cb-b16075c1972c" providerId="ADAL" clId="{30310A27-1AA3-46CE-8040-E4BEBABA4B74}" dt="2020-09-01T22:05:51.206" v="501" actId="6549"/>
+          <ac:chgData name="Magnus Haugen" userId="e1383817-b5a9-4564-b9cb-b16075c1972c" providerId="ADAL" clId="{30310A27-1AA3-46CE-8040-E4BEBABA4B74}" dt="2020-09-02T18:03:35.034" v="969" actId="20577"/>
           <ac:spMkLst>
             <pc:docMk/>
             <pc:sldMk cId="944785966" sldId="265"/>
@@ -324,13 +323,13 @@
         </pc:spChg>
       </pc:sldChg>
       <pc:sldChg chg="modSp mod ord">
-        <pc:chgData name="Magnus Haugen" userId="e1383817-b5a9-4564-b9cb-b16075c1972c" providerId="ADAL" clId="{30310A27-1AA3-46CE-8040-E4BEBABA4B74}" dt="2020-09-01T23:09:30.116" v="692" actId="20577"/>
+        <pc:chgData name="Magnus Haugen" userId="e1383817-b5a9-4564-b9cb-b16075c1972c" providerId="ADAL" clId="{30310A27-1AA3-46CE-8040-E4BEBABA4B74}" dt="2020-09-02T18:07:38.485" v="1001" actId="5793"/>
         <pc:sldMkLst>
           <pc:docMk/>
           <pc:sldMk cId="1453356749" sldId="267"/>
         </pc:sldMkLst>
         <pc:spChg chg="mod">
-          <ac:chgData name="Magnus Haugen" userId="e1383817-b5a9-4564-b9cb-b16075c1972c" providerId="ADAL" clId="{30310A27-1AA3-46CE-8040-E4BEBABA4B74}" dt="2020-09-01T23:09:30.116" v="692" actId="20577"/>
+          <ac:chgData name="Magnus Haugen" userId="e1383817-b5a9-4564-b9cb-b16075c1972c" providerId="ADAL" clId="{30310A27-1AA3-46CE-8040-E4BEBABA4B74}" dt="2020-09-02T18:07:38.485" v="1001" actId="5793"/>
           <ac:spMkLst>
             <pc:docMk/>
             <pc:sldMk cId="1453356749" sldId="267"/>
@@ -392,8 +391,23 @@
           </ac:spMkLst>
         </pc:spChg>
       </pc:sldChg>
-      <pc:sldChg chg="modSp new mod ord">
-        <pc:chgData name="Magnus Haugen" userId="e1383817-b5a9-4564-b9cb-b16075c1972c" providerId="ADAL" clId="{30310A27-1AA3-46CE-8040-E4BEBABA4B74}" dt="2020-09-02T17:54:31.622" v="894" actId="20577"/>
+      <pc:sldChg chg="addSp">
+        <pc:chgData name="Magnus Haugen" userId="e1383817-b5a9-4564-b9cb-b16075c1972c" providerId="ADAL" clId="{30310A27-1AA3-46CE-8040-E4BEBABA4B74}" dt="2020-09-02T18:00:59.853" v="900"/>
+        <pc:sldMkLst>
+          <pc:docMk/>
+          <pc:sldMk cId="187710940" sldId="270"/>
+        </pc:sldMkLst>
+        <pc:spChg chg="add">
+          <ac:chgData name="Magnus Haugen" userId="e1383817-b5a9-4564-b9cb-b16075c1972c" providerId="ADAL" clId="{30310A27-1AA3-46CE-8040-E4BEBABA4B74}" dt="2020-09-02T18:00:59.853" v="900"/>
+          <ac:spMkLst>
+            <pc:docMk/>
+            <pc:sldMk cId="187710940" sldId="270"/>
+            <ac:spMk id="4" creationId="{4E2A69F9-6091-4C99-A4CB-666162F61B29}"/>
+          </ac:spMkLst>
+        </pc:spChg>
+      </pc:sldChg>
+      <pc:sldChg chg="modSp new add del mod ord">
+        <pc:chgData name="Magnus Haugen" userId="e1383817-b5a9-4564-b9cb-b16075c1972c" providerId="ADAL" clId="{30310A27-1AA3-46CE-8040-E4BEBABA4B74}" dt="2020-09-02T18:01:38.460" v="908" actId="27636"/>
         <pc:sldMkLst>
           <pc:docMk/>
           <pc:sldMk cId="2760577703" sldId="270"/>
@@ -407,11 +421,26 @@
           </ac:spMkLst>
         </pc:spChg>
         <pc:spChg chg="mod">
-          <ac:chgData name="Magnus Haugen" userId="e1383817-b5a9-4564-b9cb-b16075c1972c" providerId="ADAL" clId="{30310A27-1AA3-46CE-8040-E4BEBABA4B74}" dt="2020-09-02T17:54:31.622" v="894" actId="20577"/>
+          <ac:chgData name="Magnus Haugen" userId="e1383817-b5a9-4564-b9cb-b16075c1972c" providerId="ADAL" clId="{30310A27-1AA3-46CE-8040-E4BEBABA4B74}" dt="2020-09-02T18:01:38.460" v="908" actId="27636"/>
           <ac:spMkLst>
             <pc:docMk/>
             <pc:sldMk cId="2760577703" sldId="270"/>
             <ac:spMk id="3" creationId="{B6AF7019-14CE-41B1-BDD3-549E04B6448B}"/>
+          </ac:spMkLst>
+        </pc:spChg>
+      </pc:sldChg>
+      <pc:sldChg chg="addSp">
+        <pc:chgData name="Magnus Haugen" userId="e1383817-b5a9-4564-b9cb-b16075c1972c" providerId="ADAL" clId="{30310A27-1AA3-46CE-8040-E4BEBABA4B74}" dt="2020-09-02T18:00:56.746" v="897"/>
+        <pc:sldMkLst>
+          <pc:docMk/>
+          <pc:sldMk cId="3615262952" sldId="270"/>
+        </pc:sldMkLst>
+        <pc:spChg chg="add">
+          <ac:chgData name="Magnus Haugen" userId="e1383817-b5a9-4564-b9cb-b16075c1972c" providerId="ADAL" clId="{30310A27-1AA3-46CE-8040-E4BEBABA4B74}" dt="2020-09-02T18:00:56.746" v="897"/>
+          <ac:spMkLst>
+            <pc:docMk/>
+            <pc:sldMk cId="3615262952" sldId="270"/>
+            <ac:spMk id="4" creationId="{EF9047B2-2765-4192-BFCF-DE38B7FE9197}"/>
           </ac:spMkLst>
         </pc:spChg>
       </pc:sldChg>
@@ -530,8 +559,8 @@
           </ac:spMkLst>
         </pc:spChg>
       </pc:sldChg>
-      <pc:sldChg chg="modSp new mod">
-        <pc:chgData name="Magnus Haugen" userId="e1383817-b5a9-4564-b9cb-b16075c1972c" providerId="ADAL" clId="{30310A27-1AA3-46CE-8040-E4BEBABA4B74}" dt="2020-09-01T23:09:18.901" v="680" actId="20577"/>
+      <pc:sldChg chg="modSp new del mod">
+        <pc:chgData name="Magnus Haugen" userId="e1383817-b5a9-4564-b9cb-b16075c1972c" providerId="ADAL" clId="{30310A27-1AA3-46CE-8040-E4BEBABA4B74}" dt="2020-09-02T18:04:04.410" v="971" actId="2696"/>
         <pc:sldMkLst>
           <pc:docMk/>
           <pc:sldMk cId="2833571682" sldId="275"/>
@@ -4060,10 +4089,9 @@
           </a:p>
           <a:p>
             <a:r>
-              <a:rPr lang="nb-NO" dirty="0" err="1"/>
-              <a:t>network</a:t>
-            </a:r>
-            <a:endParaRPr lang="nb-NO" dirty="0"/>
+              <a:rPr lang="nb-NO" dirty="0"/>
+              <a:t>Network</a:t>
+            </a:r>
           </a:p>
         </p:txBody>
       </p:sp>
@@ -4169,8 +4197,32 @@
           </a:p>
           <a:p>
             <a:r>
+              <a:rPr lang="nb-NO" dirty="0"/>
+              <a:t>Edit files</a:t>
+            </a:r>
+          </a:p>
+          <a:p>
+            <a:r>
+              <a:rPr lang="nb-NO" dirty="0"/>
+              <a:t>Make </a:t>
+            </a:r>
+            <a:r>
               <a:rPr lang="nb-NO" dirty="0" err="1"/>
-              <a:t>Change</a:t>
+              <a:t>branch</a:t>
+            </a:r>
+            <a:endParaRPr lang="nb-NO" dirty="0"/>
+          </a:p>
+          <a:p>
+            <a:r>
+              <a:rPr lang="nb-NO" dirty="0" err="1"/>
+              <a:t>Merge</a:t>
+            </a:r>
+            <a:endParaRPr lang="nb-NO" dirty="0"/>
+          </a:p>
+          <a:p>
+            <a:r>
+              <a:rPr lang="nb-NO" dirty="0" err="1"/>
+              <a:t>Delete</a:t>
             </a:r>
             <a:r>
               <a:rPr lang="nb-NO" dirty="0"/>
@@ -4178,7 +4230,7 @@
             </a:r>
             <a:r>
               <a:rPr lang="nb-NO" dirty="0" err="1"/>
-              <a:t>repo</a:t>
+              <a:t>branch</a:t>
             </a:r>
             <a:endParaRPr lang="nb-NO" dirty="0"/>
           </a:p>
@@ -4283,6 +4335,28 @@
               <a:t> file</a:t>
             </a:r>
           </a:p>
+          <a:p>
+            <a:r>
+              <a:rPr lang="nb-NO" dirty="0" err="1"/>
+              <a:t>Commit</a:t>
+            </a:r>
+            <a:r>
+              <a:rPr lang="nb-NO" dirty="0"/>
+              <a:t> and push</a:t>
+            </a:r>
+          </a:p>
+          <a:p>
+            <a:r>
+              <a:rPr lang="nb-NO" dirty="0"/>
+              <a:t>Branch</a:t>
+            </a:r>
+          </a:p>
+          <a:p>
+            <a:endParaRPr lang="nb-NO" dirty="0"/>
+          </a:p>
+          <a:p>
+            <a:endParaRPr lang="nb-NO" dirty="0"/>
+          </a:p>
         </p:txBody>
       </p:sp>
     </p:spTree>
@@ -4452,7 +4526,7 @@
           <p:cNvPr id="2" name="Tittel 1">
             <a:extLst>
               <a:ext uri="{FF2B5EF4-FFF2-40B4-BE49-F238E27FC236}">
-                <a16:creationId xmlns:a16="http://schemas.microsoft.com/office/drawing/2014/main" id="{69286002-F797-4D12-A040-9F706089147C}"/>
+                <a16:creationId xmlns:a16="http://schemas.microsoft.com/office/drawing/2014/main" id="{15C9A5BE-3A7C-4559-AC46-95674D54A869}"/>
               </a:ext>
             </a:extLst>
           </p:cNvPr>
@@ -4469,8 +4543,12 @@
           <a:lstStyle/>
           <a:p>
             <a:r>
+              <a:rPr lang="nb-NO" dirty="0" err="1"/>
+              <a:t>Use</a:t>
+            </a:r>
+            <a:r>
               <a:rPr lang="nb-NO" dirty="0"/>
-              <a:t>Branch (demo)</a:t>
+              <a:t> case </a:t>
             </a:r>
           </a:p>
         </p:txBody>
@@ -4480,7 +4558,7 @@
           <p:cNvPr id="3" name="Plassholder for innhold 2">
             <a:extLst>
               <a:ext uri="{FF2B5EF4-FFF2-40B4-BE49-F238E27FC236}">
-                <a16:creationId xmlns:a16="http://schemas.microsoft.com/office/drawing/2014/main" id="{8A5728DF-1192-4C04-92F5-7628B9D6FA8B}"/>
+                <a16:creationId xmlns:a16="http://schemas.microsoft.com/office/drawing/2014/main" id="{56970EE9-5671-4939-8926-447F1F8153D9}"/>
               </a:ext>
             </a:extLst>
           </p:cNvPr>
@@ -4496,14 +4574,17 @@
           <a:bodyPr/>
           <a:lstStyle/>
           <a:p>
-            <a:endParaRPr lang="nb-NO"/>
+            <a:r>
+              <a:rPr lang="nb-NO" dirty="0"/>
+              <a:t>TC19</a:t>
+            </a:r>
           </a:p>
         </p:txBody>
       </p:sp>
     </p:spTree>
     <p:extLst>
       <p:ext uri="{BB962C8B-B14F-4D97-AF65-F5344CB8AC3E}">
-        <p14:creationId xmlns:p14="http://schemas.microsoft.com/office/powerpoint/2010/main" val="2833571682"/>
+        <p14:creationId xmlns:p14="http://schemas.microsoft.com/office/powerpoint/2010/main" val="1478135642"/>
       </p:ext>
     </p:extLst>
   </p:cSld>
@@ -4535,96 +4616,6 @@
           <p:cNvPr id="2" name="Tittel 1">
             <a:extLst>
               <a:ext uri="{FF2B5EF4-FFF2-40B4-BE49-F238E27FC236}">
-                <a16:creationId xmlns:a16="http://schemas.microsoft.com/office/drawing/2014/main" id="{15C9A5BE-3A7C-4559-AC46-95674D54A869}"/>
-              </a:ext>
-            </a:extLst>
-          </p:cNvPr>
-          <p:cNvSpPr>
-            <a:spLocks noGrp="1"/>
-          </p:cNvSpPr>
-          <p:nvPr>
-            <p:ph type="title"/>
-          </p:nvPr>
-        </p:nvSpPr>
-        <p:spPr/>
-        <p:txBody>
-          <a:bodyPr/>
-          <a:lstStyle/>
-          <a:p>
-            <a:r>
-              <a:rPr lang="nb-NO" dirty="0" err="1"/>
-              <a:t>Use</a:t>
-            </a:r>
-            <a:r>
-              <a:rPr lang="nb-NO" dirty="0"/>
-              <a:t> case </a:t>
-            </a:r>
-          </a:p>
-        </p:txBody>
-      </p:sp>
-      <p:sp>
-        <p:nvSpPr>
-          <p:cNvPr id="3" name="Plassholder for innhold 2">
-            <a:extLst>
-              <a:ext uri="{FF2B5EF4-FFF2-40B4-BE49-F238E27FC236}">
-                <a16:creationId xmlns:a16="http://schemas.microsoft.com/office/drawing/2014/main" id="{56970EE9-5671-4939-8926-447F1F8153D9}"/>
-              </a:ext>
-            </a:extLst>
-          </p:cNvPr>
-          <p:cNvSpPr>
-            <a:spLocks noGrp="1"/>
-          </p:cNvSpPr>
-          <p:nvPr>
-            <p:ph idx="1"/>
-          </p:nvPr>
-        </p:nvSpPr>
-        <p:spPr/>
-        <p:txBody>
-          <a:bodyPr/>
-          <a:lstStyle/>
-          <a:p>
-            <a:r>
-              <a:rPr lang="nb-NO" dirty="0"/>
-              <a:t>TC19</a:t>
-            </a:r>
-          </a:p>
-        </p:txBody>
-      </p:sp>
-    </p:spTree>
-    <p:extLst>
-      <p:ext uri="{BB962C8B-B14F-4D97-AF65-F5344CB8AC3E}">
-        <p14:creationId xmlns:p14="http://schemas.microsoft.com/office/powerpoint/2010/main" val="1478135642"/>
-      </p:ext>
-    </p:extLst>
-  </p:cSld>
-  <p:clrMapOvr>
-    <a:masterClrMapping/>
-  </p:clrMapOvr>
-</p:sld>
-</file>
-
-<file path=ppt/slides/slide17.xml><?xml version="1.0" encoding="utf-8"?>
-<p:sld xmlns:a="http://schemas.openxmlformats.org/drawingml/2006/main" xmlns:r="http://schemas.openxmlformats.org/officeDocument/2006/relationships" xmlns:p="http://schemas.openxmlformats.org/presentationml/2006/main">
-  <p:cSld>
-    <p:spTree>
-      <p:nvGrpSpPr>
-        <p:cNvPr id="1" name=""/>
-        <p:cNvGrpSpPr/>
-        <p:nvPr/>
-      </p:nvGrpSpPr>
-      <p:grpSpPr>
-        <a:xfrm>
-          <a:off x="0" y="0"/>
-          <a:ext cx="0" cy="0"/>
-          <a:chOff x="0" y="0"/>
-          <a:chExt cx="0" cy="0"/>
-        </a:xfrm>
-      </p:grpSpPr>
-      <p:sp>
-        <p:nvSpPr>
-          <p:cNvPr id="2" name="Tittel 1">
-            <a:extLst>
-              <a:ext uri="{FF2B5EF4-FFF2-40B4-BE49-F238E27FC236}">
                 <a16:creationId xmlns:a16="http://schemas.microsoft.com/office/drawing/2014/main" id="{5D4B32A7-7E4F-4E6B-92F1-CE5A5D4CF011}"/>
               </a:ext>
             </a:extLst>
@@ -4806,7 +4797,7 @@
 </p:sld>
 </file>
 
-<file path=ppt/slides/slide18.xml><?xml version="1.0" encoding="utf-8"?>
+<file path=ppt/slides/slide17.xml><?xml version="1.0" encoding="utf-8"?>
 <p:sld xmlns:a="http://schemas.openxmlformats.org/drawingml/2006/main" xmlns:r="http://schemas.openxmlformats.org/officeDocument/2006/relationships" xmlns:p="http://schemas.openxmlformats.org/presentationml/2006/main">
   <p:cSld>
     <p:spTree>
@@ -6138,7 +6129,7 @@
         </p:spPr>
         <p:txBody>
           <a:bodyPr>
-            <a:normAutofit fontScale="77500" lnSpcReduction="20000"/>
+            <a:normAutofit fontScale="70000" lnSpcReduction="20000"/>
           </a:bodyPr>
           <a:lstStyle/>
           <a:p>
@@ -6547,6 +6538,54 @@
                 <a:latin typeface="Calibri" panose="020F0502020204030204" pitchFamily="34" charset="0"/>
               </a:rPr>
               <a:t>branch</a:t>
+            </a:r>
+            <a:endParaRPr lang="nb-NO" dirty="0">
+              <a:effectLst/>
+              <a:latin typeface="Calibri" panose="020F0502020204030204" pitchFamily="34" charset="0"/>
+            </a:endParaRPr>
+          </a:p>
+          <a:p>
+            <a:pPr marL="0" marR="0">
+              <a:spcBef>
+                <a:spcPts val="0"/>
+              </a:spcBef>
+              <a:spcAft>
+                <a:spcPts val="0"/>
+              </a:spcAft>
+            </a:pPr>
+            <a:r>
+              <a:rPr lang="nb-NO" dirty="0" err="1">
+                <a:effectLst/>
+                <a:latin typeface="Calibri" panose="020F0502020204030204" pitchFamily="34" charset="0"/>
+              </a:rPr>
+              <a:t>git</a:t>
+            </a:r>
+            <a:r>
+              <a:rPr lang="nb-NO" dirty="0">
+                <a:effectLst/>
+                <a:latin typeface="Calibri" panose="020F0502020204030204" pitchFamily="34" charset="0"/>
+              </a:rPr>
+              <a:t> push </a:t>
+            </a:r>
+            <a:r>
+              <a:rPr lang="nb-NO" dirty="0" err="1">
+                <a:effectLst/>
+                <a:latin typeface="Calibri" panose="020F0502020204030204" pitchFamily="34" charset="0"/>
+              </a:rPr>
+              <a:t>origin</a:t>
+            </a:r>
+            <a:r>
+              <a:rPr lang="nb-NO" dirty="0">
+                <a:effectLst/>
+                <a:latin typeface="Calibri" panose="020F0502020204030204" pitchFamily="34" charset="0"/>
+              </a:rPr>
+              <a:t> </a:t>
+            </a:r>
+            <a:r>
+              <a:rPr lang="nb-NO" dirty="0">
+                <a:latin typeface="Calibri" panose="020F0502020204030204" pitchFamily="34" charset="0"/>
+              </a:rPr>
+              <a:t>universe1</a:t>
             </a:r>
             <a:endParaRPr lang="nb-NO" dirty="0">
               <a:effectLst/>

--- a/2020-09-03 Git og Github/Git.pptx
+++ b/2020-09-03 Git og Github/Git.pptx
@@ -141,18 +141,18 @@
   <pc:docChgLst>
     <pc:chgData name="Magnus Haugen" userId="e1383817-b5a9-4564-b9cb-b16075c1972c" providerId="ADAL" clId="{30310A27-1AA3-46CE-8040-E4BEBABA4B74}"/>
     <pc:docChg chg="undo redo custSel mod addSld delSld modSld sldOrd">
-      <pc:chgData name="Magnus Haugen" userId="e1383817-b5a9-4564-b9cb-b16075c1972c" providerId="ADAL" clId="{30310A27-1AA3-46CE-8040-E4BEBABA4B74}" dt="2020-09-02T18:07:38.485" v="1001" actId="5793"/>
+      <pc:chgData name="Magnus Haugen" userId="e1383817-b5a9-4564-b9cb-b16075c1972c" providerId="ADAL" clId="{30310A27-1AA3-46CE-8040-E4BEBABA4B74}" dt="2020-09-02T18:12:30.464" v="1025" actId="20577"/>
       <pc:docMkLst>
         <pc:docMk/>
       </pc:docMkLst>
       <pc:sldChg chg="modSp mod">
-        <pc:chgData name="Magnus Haugen" userId="e1383817-b5a9-4564-b9cb-b16075c1972c" providerId="ADAL" clId="{30310A27-1AA3-46CE-8040-E4BEBABA4B74}" dt="2020-09-02T18:02:39.592" v="909" actId="20577"/>
+        <pc:chgData name="Magnus Haugen" userId="e1383817-b5a9-4564-b9cb-b16075c1972c" providerId="ADAL" clId="{30310A27-1AA3-46CE-8040-E4BEBABA4B74}" dt="2020-09-02T18:12:18.095" v="1015" actId="21"/>
         <pc:sldMkLst>
           <pc:docMk/>
           <pc:sldMk cId="1486535821" sldId="259"/>
         </pc:sldMkLst>
         <pc:spChg chg="mod">
-          <ac:chgData name="Magnus Haugen" userId="e1383817-b5a9-4564-b9cb-b16075c1972c" providerId="ADAL" clId="{30310A27-1AA3-46CE-8040-E4BEBABA4B74}" dt="2020-09-02T18:02:39.592" v="909" actId="20577"/>
+          <ac:chgData name="Magnus Haugen" userId="e1383817-b5a9-4564-b9cb-b16075c1972c" providerId="ADAL" clId="{30310A27-1AA3-46CE-8040-E4BEBABA4B74}" dt="2020-09-02T18:12:18.095" v="1015" actId="21"/>
           <ac:spMkLst>
             <pc:docMk/>
             <pc:sldMk cId="1486535821" sldId="259"/>
@@ -261,7 +261,7 @@
         </pc:spChg>
       </pc:sldChg>
       <pc:sldChg chg="addSp delSp modSp mod setBg">
-        <pc:chgData name="Magnus Haugen" userId="e1383817-b5a9-4564-b9cb-b16075c1972c" providerId="ADAL" clId="{30310A27-1AA3-46CE-8040-E4BEBABA4B74}" dt="2020-09-02T18:03:35.034" v="969" actId="20577"/>
+        <pc:chgData name="Magnus Haugen" userId="e1383817-b5a9-4564-b9cb-b16075c1972c" providerId="ADAL" clId="{30310A27-1AA3-46CE-8040-E4BEBABA4B74}" dt="2020-09-02T18:12:30.464" v="1025" actId="20577"/>
         <pc:sldMkLst>
           <pc:docMk/>
           <pc:sldMk cId="944785966" sldId="265"/>
@@ -275,7 +275,7 @@
           </ac:spMkLst>
         </pc:spChg>
         <pc:spChg chg="add del mod">
-          <ac:chgData name="Magnus Haugen" userId="e1383817-b5a9-4564-b9cb-b16075c1972c" providerId="ADAL" clId="{30310A27-1AA3-46CE-8040-E4BEBABA4B74}" dt="2020-09-02T18:03:35.034" v="969" actId="20577"/>
+          <ac:chgData name="Magnus Haugen" userId="e1383817-b5a9-4564-b9cb-b16075c1972c" providerId="ADAL" clId="{30310A27-1AA3-46CE-8040-E4BEBABA4B74}" dt="2020-09-02T18:12:30.464" v="1025" actId="20577"/>
           <ac:spMkLst>
             <pc:docMk/>
             <pc:sldMk cId="944785966" sldId="265"/>
@@ -4197,6 +4197,21 @@
           </a:p>
           <a:p>
             <a:r>
+              <a:rPr lang="nb-NO" dirty="0" err="1"/>
+              <a:t>Hidden</a:t>
+            </a:r>
+            <a:r>
+              <a:rPr lang="nb-NO" dirty="0"/>
+              <a:t> </a:t>
+            </a:r>
+            <a:r>
+              <a:rPr lang="nb-NO" dirty="0" err="1"/>
+              <a:t>dir</a:t>
+            </a:r>
+            <a:endParaRPr lang="nb-NO" dirty="0"/>
+          </a:p>
+          <a:p>
+            <a:r>
               <a:rPr lang="nb-NO" dirty="0"/>
               <a:t>Edit files</a:t>
             </a:r>
@@ -4232,6 +4247,9 @@
               <a:rPr lang="nb-NO" dirty="0" err="1"/>
               <a:t>branch</a:t>
             </a:r>
+            <a:endParaRPr lang="nb-NO" dirty="0"/>
+          </a:p>
+          <a:p>
             <a:endParaRPr lang="nb-NO" dirty="0"/>
           </a:p>
           <a:p>

--- a/2020-09-03 Git og Github/Git.pptx
+++ b/2020-09-03 Git og Github/Git.pptx
@@ -141,7 +141,7 @@
   <pc:docChgLst>
     <pc:chgData name="Magnus Haugen" userId="e1383817-b5a9-4564-b9cb-b16075c1972c" providerId="ADAL" clId="{30310A27-1AA3-46CE-8040-E4BEBABA4B74}"/>
     <pc:docChg chg="undo redo custSel mod addSld delSld modSld sldOrd">
-      <pc:chgData name="Magnus Haugen" userId="e1383817-b5a9-4564-b9cb-b16075c1972c" providerId="ADAL" clId="{30310A27-1AA3-46CE-8040-E4BEBABA4B74}" dt="2020-09-02T18:12:30.464" v="1025" actId="20577"/>
+      <pc:chgData name="Magnus Haugen" userId="e1383817-b5a9-4564-b9cb-b16075c1972c" providerId="ADAL" clId="{30310A27-1AA3-46CE-8040-E4BEBABA4B74}" dt="2020-09-02T19:10:47.397" v="1026" actId="20577"/>
       <pc:docMkLst>
         <pc:docMk/>
       </pc:docMkLst>
@@ -223,7 +223,7 @@
         </pc:picChg>
       </pc:sldChg>
       <pc:sldChg chg="modSp mod ord">
-        <pc:chgData name="Magnus Haugen" userId="e1383817-b5a9-4564-b9cb-b16075c1972c" providerId="ADAL" clId="{30310A27-1AA3-46CE-8040-E4BEBABA4B74}" dt="2020-09-01T22:44:17.851" v="580"/>
+        <pc:chgData name="Magnus Haugen" userId="e1383817-b5a9-4564-b9cb-b16075c1972c" providerId="ADAL" clId="{30310A27-1AA3-46CE-8040-E4BEBABA4B74}" dt="2020-09-02T19:10:47.397" v="1026" actId="20577"/>
         <pc:sldMkLst>
           <pc:docMk/>
           <pc:sldMk cId="3246173786" sldId="262"/>
@@ -237,7 +237,7 @@
           </ac:spMkLst>
         </pc:spChg>
         <pc:spChg chg="mod">
-          <ac:chgData name="Magnus Haugen" userId="e1383817-b5a9-4564-b9cb-b16075c1972c" providerId="ADAL" clId="{30310A27-1AA3-46CE-8040-E4BEBABA4B74}" dt="2020-09-01T21:30:08.176" v="153" actId="20577"/>
+          <ac:chgData name="Magnus Haugen" userId="e1383817-b5a9-4564-b9cb-b16075c1972c" providerId="ADAL" clId="{30310A27-1AA3-46CE-8040-E4BEBABA4B74}" dt="2020-09-02T19:10:47.397" v="1026" actId="20577"/>
           <ac:spMkLst>
             <pc:docMk/>
             <pc:sldMk cId="3246173786" sldId="262"/>
@@ -5218,10 +5218,6 @@
           </a:p>
           <a:p>
             <a:r>
-              <a:rPr lang="nb-NO" dirty="0"/>
-              <a:t> </a:t>
-            </a:r>
-            <a:r>
               <a:rPr lang="nb-NO" dirty="0" err="1"/>
               <a:t>Track</a:t>
             </a:r>

--- a/2020-09-03 Git og Github/Git.pptx
+++ b/2020-09-03 Git og Github/Git.pptx
@@ -138,6 +138,30 @@
 
 <file path=ppt/changesInfos/changesInfo1.xml><?xml version="1.0" encoding="utf-8"?>
 <pc:chgInfo xmlns:a="http://schemas.openxmlformats.org/drawingml/2006/main" xmlns:r="http://schemas.openxmlformats.org/officeDocument/2006/relationships" xmlns:ac="http://schemas.microsoft.com/office/drawing/2013/main/command" xmlns:pc="http://schemas.microsoft.com/office/powerpoint/2013/main/command">
+  <pc:docChgLst>
+    <pc:chgData name="Magnus Haugen" userId="e1383817-b5a9-4564-b9cb-b16075c1972c" providerId="ADAL" clId="{58F04D34-F9CC-4388-845C-5891C34E1C12}"/>
+    <pc:docChg chg="modSld">
+      <pc:chgData name="Magnus Haugen" userId="e1383817-b5a9-4564-b9cb-b16075c1972c" providerId="ADAL" clId="{58F04D34-F9CC-4388-845C-5891C34E1C12}" dt="2020-09-03T11:28:42.578" v="1"/>
+      <pc:docMkLst>
+        <pc:docMk/>
+      </pc:docMkLst>
+      <pc:sldChg chg="modSp mod">
+        <pc:chgData name="Magnus Haugen" userId="e1383817-b5a9-4564-b9cb-b16075c1972c" providerId="ADAL" clId="{58F04D34-F9CC-4388-845C-5891C34E1C12}" dt="2020-09-03T11:28:42.578" v="1"/>
+        <pc:sldMkLst>
+          <pc:docMk/>
+          <pc:sldMk cId="526495768" sldId="261"/>
+        </pc:sldMkLst>
+        <pc:spChg chg="mod">
+          <ac:chgData name="Magnus Haugen" userId="e1383817-b5a9-4564-b9cb-b16075c1972c" providerId="ADAL" clId="{58F04D34-F9CC-4388-845C-5891C34E1C12}" dt="2020-09-03T11:28:42.578" v="1"/>
+          <ac:spMkLst>
+            <pc:docMk/>
+            <pc:sldMk cId="526495768" sldId="261"/>
+            <ac:spMk id="2" creationId="{454870A0-C760-48E8-B45A-54269A25D645}"/>
+          </ac:spMkLst>
+        </pc:spChg>
+      </pc:sldChg>
+    </pc:docChg>
+  </pc:docChgLst>
   <pc:docChgLst>
     <pc:chgData name="Magnus Haugen" userId="e1383817-b5a9-4564-b9cb-b16075c1972c" providerId="ADAL" clId="{30310A27-1AA3-46CE-8040-E4BEBABA4B74}"/>
     <pc:docChg chg="undo redo custSel mod addSld delSld modSld sldOrd">
@@ -758,7 +782,7 @@
           <a:p>
             <a:fld id="{32844A83-6C71-4801-BA37-EA9FF4C06BE7}" type="datetimeFigureOut">
               <a:rPr lang="nb-NO" smtClean="0"/>
-              <a:t>02.09.2020</a:t>
+              <a:t>03.09.2020</a:t>
             </a:fld>
             <a:endParaRPr lang="nb-NO"/>
           </a:p>
@@ -956,7 +980,7 @@
           <a:p>
             <a:fld id="{32844A83-6C71-4801-BA37-EA9FF4C06BE7}" type="datetimeFigureOut">
               <a:rPr lang="nb-NO" smtClean="0"/>
-              <a:t>02.09.2020</a:t>
+              <a:t>03.09.2020</a:t>
             </a:fld>
             <a:endParaRPr lang="nb-NO"/>
           </a:p>
@@ -1164,7 +1188,7 @@
           <a:p>
             <a:fld id="{32844A83-6C71-4801-BA37-EA9FF4C06BE7}" type="datetimeFigureOut">
               <a:rPr lang="nb-NO" smtClean="0"/>
-              <a:t>02.09.2020</a:t>
+              <a:t>03.09.2020</a:t>
             </a:fld>
             <a:endParaRPr lang="nb-NO"/>
           </a:p>
@@ -1362,7 +1386,7 @@
           <a:p>
             <a:fld id="{32844A83-6C71-4801-BA37-EA9FF4C06BE7}" type="datetimeFigureOut">
               <a:rPr lang="nb-NO" smtClean="0"/>
-              <a:t>02.09.2020</a:t>
+              <a:t>03.09.2020</a:t>
             </a:fld>
             <a:endParaRPr lang="nb-NO"/>
           </a:p>
@@ -1637,7 +1661,7 @@
           <a:p>
             <a:fld id="{32844A83-6C71-4801-BA37-EA9FF4C06BE7}" type="datetimeFigureOut">
               <a:rPr lang="nb-NO" smtClean="0"/>
-              <a:t>02.09.2020</a:t>
+              <a:t>03.09.2020</a:t>
             </a:fld>
             <a:endParaRPr lang="nb-NO"/>
           </a:p>
@@ -1902,7 +1926,7 @@
           <a:p>
             <a:fld id="{32844A83-6C71-4801-BA37-EA9FF4C06BE7}" type="datetimeFigureOut">
               <a:rPr lang="nb-NO" smtClean="0"/>
-              <a:t>02.09.2020</a:t>
+              <a:t>03.09.2020</a:t>
             </a:fld>
             <a:endParaRPr lang="nb-NO"/>
           </a:p>
@@ -2314,7 +2338,7 @@
           <a:p>
             <a:fld id="{32844A83-6C71-4801-BA37-EA9FF4C06BE7}" type="datetimeFigureOut">
               <a:rPr lang="nb-NO" smtClean="0"/>
-              <a:t>02.09.2020</a:t>
+              <a:t>03.09.2020</a:t>
             </a:fld>
             <a:endParaRPr lang="nb-NO"/>
           </a:p>
@@ -2455,7 +2479,7 @@
           <a:p>
             <a:fld id="{32844A83-6C71-4801-BA37-EA9FF4C06BE7}" type="datetimeFigureOut">
               <a:rPr lang="nb-NO" smtClean="0"/>
-              <a:t>02.09.2020</a:t>
+              <a:t>03.09.2020</a:t>
             </a:fld>
             <a:endParaRPr lang="nb-NO"/>
           </a:p>
@@ -2568,7 +2592,7 @@
           <a:p>
             <a:fld id="{32844A83-6C71-4801-BA37-EA9FF4C06BE7}" type="datetimeFigureOut">
               <a:rPr lang="nb-NO" smtClean="0"/>
-              <a:t>02.09.2020</a:t>
+              <a:t>03.09.2020</a:t>
             </a:fld>
             <a:endParaRPr lang="nb-NO"/>
           </a:p>
@@ -2879,7 +2903,7 @@
           <a:p>
             <a:fld id="{32844A83-6C71-4801-BA37-EA9FF4C06BE7}" type="datetimeFigureOut">
               <a:rPr lang="nb-NO" smtClean="0"/>
-              <a:t>02.09.2020</a:t>
+              <a:t>03.09.2020</a:t>
             </a:fld>
             <a:endParaRPr lang="nb-NO"/>
           </a:p>
@@ -3167,7 +3191,7 @@
           <a:p>
             <a:fld id="{32844A83-6C71-4801-BA37-EA9FF4C06BE7}" type="datetimeFigureOut">
               <a:rPr lang="nb-NO" smtClean="0"/>
-              <a:t>02.09.2020</a:t>
+              <a:t>03.09.2020</a:t>
             </a:fld>
             <a:endParaRPr lang="nb-NO"/>
           </a:p>
@@ -3408,7 +3432,7 @@
           <a:p>
             <a:fld id="{32844A83-6C71-4801-BA37-EA9FF4C06BE7}" type="datetimeFigureOut">
               <a:rPr lang="nb-NO" smtClean="0"/>
-              <a:t>02.09.2020</a:t>
+              <a:t>03.09.2020</a:t>
             </a:fld>
             <a:endParaRPr lang="nb-NO"/>
           </a:p>
@@ -5310,36 +5334,8 @@
           <a:lstStyle/>
           <a:p>
             <a:r>
-              <a:rPr lang="nb-NO" dirty="0"/>
-              <a:t>How dose </a:t>
-            </a:r>
-            <a:r>
-              <a:rPr lang="nb-NO" dirty="0" err="1"/>
-              <a:t>the</a:t>
-            </a:r>
-            <a:r>
-              <a:rPr lang="nb-NO" dirty="0"/>
-              <a:t> </a:t>
-            </a:r>
-            <a:r>
-              <a:rPr lang="nb-NO" dirty="0" err="1"/>
-              <a:t>bloody</a:t>
-            </a:r>
-            <a:r>
-              <a:rPr lang="nb-NO" dirty="0"/>
-              <a:t> </a:t>
-            </a:r>
-            <a:r>
-              <a:rPr lang="nb-NO" dirty="0" err="1"/>
-              <a:t>thing</a:t>
-            </a:r>
-            <a:r>
-              <a:rPr lang="nb-NO" dirty="0"/>
-              <a:t> </a:t>
-            </a:r>
-            <a:r>
-              <a:rPr lang="nb-NO" dirty="0" err="1"/>
-              <a:t>work</a:t>
+              <a:rPr lang="en-US" dirty="0"/>
+              <a:t>How does the bloody thing work</a:t>
             </a:r>
             <a:endParaRPr lang="nb-NO" dirty="0"/>
           </a:p>
